--- a/stunde_2/Stunde_2.pptx
+++ b/stunde_2/Stunde_2.pptx
@@ -7,19 +7,12 @@
   <p:sldIdLst>
     <p:sldId id="256" r:id="rId2"/>
     <p:sldId id="269" r:id="rId3"/>
-    <p:sldId id="270" r:id="rId4"/>
-    <p:sldId id="271" r:id="rId5"/>
-    <p:sldId id="272" r:id="rId6"/>
-    <p:sldId id="273" r:id="rId7"/>
-    <p:sldId id="274" r:id="rId8"/>
-    <p:sldId id="275" r:id="rId9"/>
-    <p:sldId id="268" r:id="rId10"/>
-    <p:sldId id="276" r:id="rId11"/>
-    <p:sldId id="260" r:id="rId12"/>
-    <p:sldId id="266" r:id="rId13"/>
-    <p:sldId id="259" r:id="rId14"/>
-    <p:sldId id="257" r:id="rId15"/>
-    <p:sldId id="258" r:id="rId16"/>
+    <p:sldId id="268" r:id="rId4"/>
+    <p:sldId id="260" r:id="rId5"/>
+    <p:sldId id="266" r:id="rId6"/>
+    <p:sldId id="259" r:id="rId7"/>
+    <p:sldId id="257" r:id="rId8"/>
+    <p:sldId id="258" r:id="rId9"/>
   </p:sldIdLst>
   <p:sldSz cx="12192000" cy="6858000"/>
   <p:notesSz cx="6858000" cy="9144000"/>
@@ -352,7 +345,7 @@
           <a:p>
             <a:fld id="{3D984EFE-C229-442C-9F2C-F2F53AD7AE61}" type="datetimeFigureOut">
               <a:rPr lang="de-DE" smtClean="0"/>
-              <a:t>07.04.2024</a:t>
+              <a:t>09.04.2024</a:t>
             </a:fld>
             <a:endParaRPr lang="de-DE"/>
           </a:p>
@@ -650,7 +643,7 @@
             <a:fld id="{3D984EFE-C229-442C-9F2C-F2F53AD7AE61}" type="datetimeFigureOut">
               <a:rPr lang="de-DE" smtClean="0"/>
               <a:pPr/>
-              <a:t>07.04.2024</a:t>
+              <a:t>09.04.2024</a:t>
             </a:fld>
             <a:endParaRPr lang="de-DE" dirty="0"/>
           </a:p>
@@ -1021,7 +1014,7 @@
           <a:p>
             <a:fld id="{3D984EFE-C229-442C-9F2C-F2F53AD7AE61}" type="datetimeFigureOut">
               <a:rPr lang="de-DE" smtClean="0"/>
-              <a:t>07.04.2024</a:t>
+              <a:t>09.04.2024</a:t>
             </a:fld>
             <a:endParaRPr lang="de-DE"/>
           </a:p>
@@ -1277,7 +1270,7 @@
           <a:p>
             <a:fld id="{3D984EFE-C229-442C-9F2C-F2F53AD7AE61}" type="datetimeFigureOut">
               <a:rPr lang="de-DE" smtClean="0"/>
-              <a:t>07.04.2024</a:t>
+              <a:t>09.04.2024</a:t>
             </a:fld>
             <a:endParaRPr lang="de-DE"/>
           </a:p>
@@ -1447,7 +1440,7 @@
           <a:p>
             <a:fld id="{3D984EFE-C229-442C-9F2C-F2F53AD7AE61}" type="datetimeFigureOut">
               <a:rPr lang="de-DE" smtClean="0"/>
-              <a:t>07.04.2024</a:t>
+              <a:t>09.04.2024</a:t>
             </a:fld>
             <a:endParaRPr lang="de-DE"/>
           </a:p>
@@ -1790,7 +1783,7 @@
           <a:p>
             <a:fld id="{3D984EFE-C229-442C-9F2C-F2F53AD7AE61}" type="datetimeFigureOut">
               <a:rPr lang="de-DE" smtClean="0"/>
-              <a:t>07.04.2024</a:t>
+              <a:t>09.04.2024</a:t>
             </a:fld>
             <a:endParaRPr lang="de-DE"/>
           </a:p>
@@ -2088,7 +2081,7 @@
             <a:fld id="{3D984EFE-C229-442C-9F2C-F2F53AD7AE61}" type="datetimeFigureOut">
               <a:rPr lang="de-DE" smtClean="0"/>
               <a:pPr/>
-              <a:t>07.04.2024</a:t>
+              <a:t>09.04.2024</a:t>
             </a:fld>
             <a:endParaRPr lang="de-DE"/>
           </a:p>
@@ -2526,7 +2519,7 @@
           <a:p>
             <a:fld id="{3D984EFE-C229-442C-9F2C-F2F53AD7AE61}" type="datetimeFigureOut">
               <a:rPr lang="de-DE" smtClean="0"/>
-              <a:t>07.04.2024</a:t>
+              <a:t>09.04.2024</a:t>
             </a:fld>
             <a:endParaRPr lang="de-DE"/>
           </a:p>
@@ -2905,7 +2898,7 @@
           <a:p>
             <a:fld id="{3D984EFE-C229-442C-9F2C-F2F53AD7AE61}" type="datetimeFigureOut">
               <a:rPr lang="de-DE" smtClean="0"/>
-              <a:t>07.04.2024</a:t>
+              <a:t>09.04.2024</a:t>
             </a:fld>
             <a:endParaRPr lang="de-DE"/>
           </a:p>
@@ -3023,7 +3016,7 @@
           <a:p>
             <a:fld id="{3D984EFE-C229-442C-9F2C-F2F53AD7AE61}" type="datetimeFigureOut">
               <a:rPr lang="de-DE" smtClean="0"/>
-              <a:t>07.04.2024</a:t>
+              <a:t>09.04.2024</a:t>
             </a:fld>
             <a:endParaRPr lang="de-DE"/>
           </a:p>
@@ -3194,7 +3187,7 @@
           <a:p>
             <a:fld id="{3D984EFE-C229-442C-9F2C-F2F53AD7AE61}" type="datetimeFigureOut">
               <a:rPr lang="de-DE" smtClean="0"/>
-              <a:t>07.04.2024</a:t>
+              <a:t>09.04.2024</a:t>
             </a:fld>
             <a:endParaRPr lang="de-DE"/>
           </a:p>
@@ -3548,7 +3541,7 @@
           <a:p>
             <a:fld id="{3D984EFE-C229-442C-9F2C-F2F53AD7AE61}" type="datetimeFigureOut">
               <a:rPr lang="de-DE" smtClean="0"/>
-              <a:t>07.04.2024</a:t>
+              <a:t>09.04.2024</a:t>
             </a:fld>
             <a:endParaRPr lang="de-DE"/>
           </a:p>
@@ -3925,7 +3918,7 @@
           <a:p>
             <a:fld id="{3D984EFE-C229-442C-9F2C-F2F53AD7AE61}" type="datetimeFigureOut">
               <a:rPr lang="de-DE" smtClean="0"/>
-              <a:t>07.04.2024</a:t>
+              <a:t>09.04.2024</a:t>
             </a:fld>
             <a:endParaRPr lang="de-DE"/>
           </a:p>
@@ -4212,7 +4205,7 @@
           <a:p>
             <a:fld id="{3D984EFE-C229-442C-9F2C-F2F53AD7AE61}" type="datetimeFigureOut">
               <a:rPr lang="de-DE" smtClean="0"/>
-              <a:t>07.04.2024</a:t>
+              <a:t>09.04.2024</a:t>
             </a:fld>
             <a:endParaRPr lang="de-DE"/>
           </a:p>
@@ -4924,7 +4917,7 @@
 </p:sld>
 </file>
 
-<file path=ppt/slides/slide10.xml><?xml version="1.0" encoding="utf-8"?>
+<file path=ppt/slides/slide2.xml><?xml version="1.0" encoding="utf-8"?>
 <p:sld xmlns:a="http://schemas.openxmlformats.org/drawingml/2006/main" xmlns:r="http://schemas.openxmlformats.org/officeDocument/2006/relationships" xmlns:p="http://schemas.openxmlformats.org/presentationml/2006/main">
   <p:cSld>
     <p:spTree>
@@ -4946,7 +4939,7 @@
           <p:cNvPr id="2" name="Titel 1">
             <a:extLst>
               <a:ext uri="{FF2B5EF4-FFF2-40B4-BE49-F238E27FC236}">
-                <a16:creationId xmlns:a16="http://schemas.microsoft.com/office/drawing/2014/main" id="{4DC65754-995E-4B15-86CE-11BDC0960D9F}"/>
+                <a16:creationId xmlns:a16="http://schemas.microsoft.com/office/drawing/2014/main" id="{8A3921AA-A75B-43F4-9ED7-5A8FDF567344}"/>
               </a:ext>
             </a:extLst>
           </p:cNvPr>
@@ -4964,13 +4957,8 @@
           <a:p>
             <a:r>
               <a:rPr lang="de-DE" dirty="0"/>
-              <a:t>Programmieren mit </a:t>
-            </a:r>
-            <a:r>
-              <a:rPr lang="de-DE" dirty="0" err="1"/>
-              <a:t>ChatGPT</a:t>
-            </a:r>
-            <a:endParaRPr lang="de-DE" dirty="0"/>
+              <a:t>Style Guide</a:t>
+            </a:r>
           </a:p>
         </p:txBody>
       </p:sp>
@@ -4979,7 +4967,7 @@
           <p:cNvPr id="3" name="Inhaltsplatzhalter 2">
             <a:extLst>
               <a:ext uri="{FF2B5EF4-FFF2-40B4-BE49-F238E27FC236}">
-                <a16:creationId xmlns:a16="http://schemas.microsoft.com/office/drawing/2014/main" id="{AB86C1A3-7ED3-49FB-AF21-79105B82D5BA}"/>
+                <a16:creationId xmlns:a16="http://schemas.microsoft.com/office/drawing/2014/main" id="{89BA047D-A1CF-40E2-92B5-E78842972496}"/>
               </a:ext>
             </a:extLst>
           </p:cNvPr>
@@ -4995,9 +4983,39 @@
           <a:bodyPr/>
           <a:lstStyle/>
           <a:p>
+            <a:pPr>
+              <a:buFont typeface="Wingdings" panose="05000000000000000000" pitchFamily="2" charset="2"/>
+              <a:buChar char="§"/>
+            </a:pPr>
             <a:r>
               <a:rPr lang="de-DE" dirty="0"/>
-              <a:t> https://chat.openai.com/</a:t>
+              <a:t> </a:t>
+            </a:r>
+            <a:r>
+              <a:rPr lang="de-DE" dirty="0">
+                <a:hlinkClick r:id="rId2"/>
+              </a:rPr>
+              <a:t>https://visualgit.readthedocs.io/en/latest/pages/naming_convention.html</a:t>
+            </a:r>
+            <a:r>
+              <a:rPr lang="de-DE" dirty="0"/>
+              <a:t> </a:t>
+            </a:r>
+          </a:p>
+          <a:p>
+            <a:pPr>
+              <a:buFont typeface="Wingdings" panose="05000000000000000000" pitchFamily="2" charset="2"/>
+              <a:buChar char="§"/>
+            </a:pPr>
+            <a:r>
+              <a:rPr lang="de-DE" dirty="0">
+                <a:hlinkClick r:id="rId3"/>
+              </a:rPr>
+              <a:t> https://peps.python.org/pep-0008/</a:t>
+            </a:r>
+            <a:r>
+              <a:rPr lang="de-DE" dirty="0"/>
+              <a:t> </a:t>
             </a:r>
           </a:p>
         </p:txBody>
@@ -5005,7 +5023,7 @@
     </p:spTree>
     <p:extLst>
       <p:ext uri="{BB962C8B-B14F-4D97-AF65-F5344CB8AC3E}">
-        <p14:creationId xmlns:p14="http://schemas.microsoft.com/office/powerpoint/2010/main" val="393435400"/>
+        <p14:creationId xmlns:p14="http://schemas.microsoft.com/office/powerpoint/2010/main" val="1807034822"/>
       </p:ext>
     </p:extLst>
   </p:cSld>
@@ -5015,7 +5033,7 @@
 </p:sld>
 </file>
 
-<file path=ppt/slides/slide11.xml><?xml version="1.0" encoding="utf-8"?>
+<file path=ppt/slides/slide3.xml><?xml version="1.0" encoding="utf-8"?>
 <p:sld xmlns:a="http://schemas.openxmlformats.org/drawingml/2006/main" xmlns:r="http://schemas.openxmlformats.org/officeDocument/2006/relationships" xmlns:p="http://schemas.openxmlformats.org/presentationml/2006/main">
   <p:cSld>
     <p:spTree>
@@ -5037,6 +5055,141 @@
           <p:cNvPr id="2" name="Titel 1">
             <a:extLst>
               <a:ext uri="{FF2B5EF4-FFF2-40B4-BE49-F238E27FC236}">
+                <a16:creationId xmlns:a16="http://schemas.microsoft.com/office/drawing/2014/main" id="{888C7E66-3E90-48E9-9C1D-E1E9FFC57E7C}"/>
+              </a:ext>
+            </a:extLst>
+          </p:cNvPr>
+          <p:cNvSpPr>
+            <a:spLocks noGrp="1"/>
+          </p:cNvSpPr>
+          <p:nvPr>
+            <p:ph type="title"/>
+          </p:nvPr>
+        </p:nvSpPr>
+        <p:spPr/>
+        <p:txBody>
+          <a:bodyPr/>
+          <a:lstStyle/>
+          <a:p>
+            <a:r>
+              <a:rPr lang="de-DE" dirty="0"/>
+              <a:t>Freiwillige Hausaufgabe</a:t>
+            </a:r>
+          </a:p>
+        </p:txBody>
+      </p:sp>
+      <p:sp>
+        <p:nvSpPr>
+          <p:cNvPr id="3" name="Inhaltsplatzhalter 2">
+            <a:extLst>
+              <a:ext uri="{FF2B5EF4-FFF2-40B4-BE49-F238E27FC236}">
+                <a16:creationId xmlns:a16="http://schemas.microsoft.com/office/drawing/2014/main" id="{D0AAB5B7-70AA-44BE-B0DF-35143E2FF0E4}"/>
+              </a:ext>
+            </a:extLst>
+          </p:cNvPr>
+          <p:cNvSpPr>
+            <a:spLocks noGrp="1"/>
+          </p:cNvSpPr>
+          <p:nvPr>
+            <p:ph idx="1"/>
+          </p:nvPr>
+        </p:nvSpPr>
+        <p:spPr/>
+        <p:txBody>
+          <a:bodyPr/>
+          <a:lstStyle/>
+          <a:p>
+            <a:pPr>
+              <a:buFont typeface="Arial" panose="020B0604020202020204" pitchFamily="34" charset="0"/>
+              <a:buChar char="•"/>
+            </a:pPr>
+            <a:r>
+              <a:rPr lang="de-DE" dirty="0"/>
+              <a:t> Anschauen von</a:t>
+            </a:r>
+          </a:p>
+          <a:p>
+            <a:pPr lvl="1">
+              <a:buFont typeface="Wingdings" panose="05000000000000000000" pitchFamily="2" charset="2"/>
+              <a:buChar char="§"/>
+            </a:pPr>
+            <a:r>
+              <a:rPr lang="de-DE" dirty="0">
+                <a:hlinkClick r:id="rId2"/>
+              </a:rPr>
+              <a:t>https://visualgit.readthedocs.io/en/latest/pages/naming_convention.html</a:t>
+            </a:r>
+            <a:r>
+              <a:rPr lang="de-DE" dirty="0"/>
+              <a:t> </a:t>
+            </a:r>
+          </a:p>
+          <a:p>
+            <a:pPr lvl="1">
+              <a:buFont typeface="Wingdings" panose="05000000000000000000" pitchFamily="2" charset="2"/>
+              <a:buChar char="§"/>
+            </a:pPr>
+            <a:r>
+              <a:rPr lang="de-DE">
+                <a:hlinkClick r:id="rId3"/>
+              </a:rPr>
+              <a:t>https</a:t>
+            </a:r>
+            <a:r>
+              <a:rPr lang="de-DE" dirty="0">
+                <a:hlinkClick r:id="rId3"/>
+              </a:rPr>
+              <a:t>://peps.python.org/pep-0008/</a:t>
+            </a:r>
+            <a:r>
+              <a:rPr lang="de-DE" dirty="0"/>
+              <a:t> </a:t>
+            </a:r>
+          </a:p>
+          <a:p>
+            <a:pPr lvl="1">
+              <a:buFont typeface="Arial" panose="020B0604020202020204" pitchFamily="34" charset="0"/>
+              <a:buChar char="•"/>
+            </a:pPr>
+            <a:endParaRPr lang="de-DE" dirty="0"/>
+          </a:p>
+        </p:txBody>
+      </p:sp>
+    </p:spTree>
+    <p:extLst>
+      <p:ext uri="{BB962C8B-B14F-4D97-AF65-F5344CB8AC3E}">
+        <p14:creationId xmlns:p14="http://schemas.microsoft.com/office/powerpoint/2010/main" val="2901900566"/>
+      </p:ext>
+    </p:extLst>
+  </p:cSld>
+  <p:clrMapOvr>
+    <a:masterClrMapping/>
+  </p:clrMapOvr>
+</p:sld>
+</file>
+
+<file path=ppt/slides/slide4.xml><?xml version="1.0" encoding="utf-8"?>
+<p:sld xmlns:a="http://schemas.openxmlformats.org/drawingml/2006/main" xmlns:r="http://schemas.openxmlformats.org/officeDocument/2006/relationships" xmlns:p="http://schemas.openxmlformats.org/presentationml/2006/main">
+  <p:cSld>
+    <p:spTree>
+      <p:nvGrpSpPr>
+        <p:cNvPr id="1" name=""/>
+        <p:cNvGrpSpPr/>
+        <p:nvPr/>
+      </p:nvGrpSpPr>
+      <p:grpSpPr>
+        <a:xfrm>
+          <a:off x="0" y="0"/>
+          <a:ext cx="0" cy="0"/>
+          <a:chOff x="0" y="0"/>
+          <a:chExt cx="0" cy="0"/>
+        </a:xfrm>
+      </p:grpSpPr>
+      <p:sp>
+        <p:nvSpPr>
+          <p:cNvPr id="2" name="Titel 1">
+            <a:extLst>
+              <a:ext uri="{FF2B5EF4-FFF2-40B4-BE49-F238E27FC236}">
                 <a16:creationId xmlns:a16="http://schemas.microsoft.com/office/drawing/2014/main" id="{8667F891-662F-65A2-F5CC-D5FD5D92E7EE}"/>
               </a:ext>
             </a:extLst>
@@ -5098,7 +5251,7 @@
 </p:sld>
 </file>
 
-<file path=ppt/slides/slide12.xml><?xml version="1.0" encoding="utf-8"?>
+<file path=ppt/slides/slide5.xml><?xml version="1.0" encoding="utf-8"?>
 <p:sld xmlns:a="http://schemas.openxmlformats.org/drawingml/2006/main" xmlns:r="http://schemas.openxmlformats.org/officeDocument/2006/relationships" xmlns:p="http://schemas.openxmlformats.org/presentationml/2006/main">
   <p:cSld>
     <p:spTree>
@@ -5331,7 +5484,7 @@
 </p:sld>
 </file>
 
-<file path=ppt/slides/slide13.xml><?xml version="1.0" encoding="utf-8"?>
+<file path=ppt/slides/slide6.xml><?xml version="1.0" encoding="utf-8"?>
 <p:sld xmlns:a="http://schemas.openxmlformats.org/drawingml/2006/main" xmlns:r="http://schemas.openxmlformats.org/officeDocument/2006/relationships" xmlns:p="http://schemas.openxmlformats.org/presentationml/2006/main">
   <p:cSld>
     <p:spTree>
@@ -5472,7 +5625,7 @@
             <a:fld id="{3D984EFE-C229-442C-9F2C-F2F53AD7AE61}" type="datetimeFigureOut">
               <a:rPr lang="de-DE" smtClean="0"/>
               <a:pPr/>
-              <a:t>07.04.2024</a:t>
+              <a:t>09.04.2024</a:t>
             </a:fld>
             <a:endParaRPr lang="de-DE" dirty="0"/>
           </a:p>
@@ -5860,1370 +6013,6 @@
 </p:sld>
 </file>
 
-<file path=ppt/slides/slide14.xml><?xml version="1.0" encoding="utf-8"?>
-<p:sld xmlns:a="http://schemas.openxmlformats.org/drawingml/2006/main" xmlns:r="http://schemas.openxmlformats.org/officeDocument/2006/relationships" xmlns:p="http://schemas.openxmlformats.org/presentationml/2006/main">
-  <p:cSld>
-    <p:spTree>
-      <p:nvGrpSpPr>
-        <p:cNvPr id="1" name=""/>
-        <p:cNvGrpSpPr/>
-        <p:nvPr/>
-      </p:nvGrpSpPr>
-      <p:grpSpPr>
-        <a:xfrm>
-          <a:off x="0" y="0"/>
-          <a:ext cx="0" cy="0"/>
-          <a:chOff x="0" y="0"/>
-          <a:chExt cx="0" cy="0"/>
-        </a:xfrm>
-      </p:grpSpPr>
-      <p:sp>
-        <p:nvSpPr>
-          <p:cNvPr id="4" name="Date Placeholder 3">
-            <a:extLst>
-              <a:ext uri="{FF2B5EF4-FFF2-40B4-BE49-F238E27FC236}">
-                <a16:creationId xmlns:a16="http://schemas.microsoft.com/office/drawing/2014/main" id="{2BF27315-9AB6-20A4-7C7B-A7385FEDF118}"/>
-              </a:ext>
-            </a:extLst>
-          </p:cNvPr>
-          <p:cNvSpPr txBox="1">
-            <a:spLocks/>
-          </p:cNvSpPr>
-          <p:nvPr/>
-        </p:nvSpPr>
-        <p:spPr>
-          <a:xfrm>
-            <a:off x="1097280" y="6459785"/>
-            <a:ext cx="2472271" cy="365125"/>
-          </a:xfrm>
-          <a:prstGeom prst="rect">
-            <a:avLst/>
-          </a:prstGeom>
-        </p:spPr>
-        <p:txBody>
-          <a:bodyPr vert="horz" lIns="91440" tIns="45720" rIns="91440" bIns="45720" rtlCol="0" anchor="ctr"/>
-          <a:lstStyle>
-            <a:defPPr>
-              <a:defRPr lang="en-US"/>
-            </a:defPPr>
-            <a:lvl1pPr marL="0" algn="l" defTabSz="457200" rtl="0" eaLnBrk="1" latinLnBrk="0" hangingPunct="1">
-              <a:defRPr sz="900" kern="1200">
-                <a:solidFill>
-                  <a:srgbClr val="FFFFFF"/>
-                </a:solidFill>
-                <a:latin typeface="+mn-lt"/>
-                <a:ea typeface="+mn-ea"/>
-                <a:cs typeface="+mn-cs"/>
-              </a:defRPr>
-            </a:lvl1pPr>
-            <a:lvl2pPr marL="457200" algn="l" defTabSz="457200" rtl="0" eaLnBrk="1" latinLnBrk="0" hangingPunct="1">
-              <a:defRPr sz="1800" kern="1200">
-                <a:solidFill>
-                  <a:schemeClr val="tx1"/>
-                </a:solidFill>
-                <a:latin typeface="+mn-lt"/>
-                <a:ea typeface="+mn-ea"/>
-                <a:cs typeface="+mn-cs"/>
-              </a:defRPr>
-            </a:lvl2pPr>
-            <a:lvl3pPr marL="914400" algn="l" defTabSz="457200" rtl="0" eaLnBrk="1" latinLnBrk="0" hangingPunct="1">
-              <a:defRPr sz="1800" kern="1200">
-                <a:solidFill>
-                  <a:schemeClr val="tx1"/>
-                </a:solidFill>
-                <a:latin typeface="+mn-lt"/>
-                <a:ea typeface="+mn-ea"/>
-                <a:cs typeface="+mn-cs"/>
-              </a:defRPr>
-            </a:lvl3pPr>
-            <a:lvl4pPr marL="1371600" algn="l" defTabSz="457200" rtl="0" eaLnBrk="1" latinLnBrk="0" hangingPunct="1">
-              <a:defRPr sz="1800" kern="1200">
-                <a:solidFill>
-                  <a:schemeClr val="tx1"/>
-                </a:solidFill>
-                <a:latin typeface="+mn-lt"/>
-                <a:ea typeface="+mn-ea"/>
-                <a:cs typeface="+mn-cs"/>
-              </a:defRPr>
-            </a:lvl4pPr>
-            <a:lvl5pPr marL="1828800" algn="l" defTabSz="457200" rtl="0" eaLnBrk="1" latinLnBrk="0" hangingPunct="1">
-              <a:defRPr sz="1800" kern="1200">
-                <a:solidFill>
-                  <a:schemeClr val="tx1"/>
-                </a:solidFill>
-                <a:latin typeface="+mn-lt"/>
-                <a:ea typeface="+mn-ea"/>
-                <a:cs typeface="+mn-cs"/>
-              </a:defRPr>
-            </a:lvl5pPr>
-            <a:lvl6pPr marL="2286000" algn="l" defTabSz="457200" rtl="0" eaLnBrk="1" latinLnBrk="0" hangingPunct="1">
-              <a:defRPr sz="1800" kern="1200">
-                <a:solidFill>
-                  <a:schemeClr val="tx1"/>
-                </a:solidFill>
-                <a:latin typeface="+mn-lt"/>
-                <a:ea typeface="+mn-ea"/>
-                <a:cs typeface="+mn-cs"/>
-              </a:defRPr>
-            </a:lvl6pPr>
-            <a:lvl7pPr marL="2743200" algn="l" defTabSz="457200" rtl="0" eaLnBrk="1" latinLnBrk="0" hangingPunct="1">
-              <a:defRPr sz="1800" kern="1200">
-                <a:solidFill>
-                  <a:schemeClr val="tx1"/>
-                </a:solidFill>
-                <a:latin typeface="+mn-lt"/>
-                <a:ea typeface="+mn-ea"/>
-                <a:cs typeface="+mn-cs"/>
-              </a:defRPr>
-            </a:lvl7pPr>
-            <a:lvl8pPr marL="3200400" algn="l" defTabSz="457200" rtl="0" eaLnBrk="1" latinLnBrk="0" hangingPunct="1">
-              <a:defRPr sz="1800" kern="1200">
-                <a:solidFill>
-                  <a:schemeClr val="tx1"/>
-                </a:solidFill>
-                <a:latin typeface="+mn-lt"/>
-                <a:ea typeface="+mn-ea"/>
-                <a:cs typeface="+mn-cs"/>
-              </a:defRPr>
-            </a:lvl8pPr>
-            <a:lvl9pPr marL="3657600" algn="l" defTabSz="457200" rtl="0" eaLnBrk="1" latinLnBrk="0" hangingPunct="1">
-              <a:defRPr sz="1800" kern="1200">
-                <a:solidFill>
-                  <a:schemeClr val="tx1"/>
-                </a:solidFill>
-                <a:latin typeface="+mn-lt"/>
-                <a:ea typeface="+mn-ea"/>
-                <a:cs typeface="+mn-cs"/>
-              </a:defRPr>
-            </a:lvl9pPr>
-          </a:lstStyle>
-          <a:p>
-            <a:fld id="{3D984EFE-C229-442C-9F2C-F2F53AD7AE61}" type="datetimeFigureOut">
-              <a:rPr lang="de-DE" smtClean="0"/>
-              <a:pPr/>
-              <a:t>07.04.2024</a:t>
-            </a:fld>
-            <a:endParaRPr lang="de-DE" dirty="0"/>
-          </a:p>
-        </p:txBody>
-      </p:sp>
-      <p:sp>
-        <p:nvSpPr>
-          <p:cNvPr id="5" name="Titel 1">
-            <a:extLst>
-              <a:ext uri="{FF2B5EF4-FFF2-40B4-BE49-F238E27FC236}">
-                <a16:creationId xmlns:a16="http://schemas.microsoft.com/office/drawing/2014/main" id="{39789A5C-1CFC-C978-9A0A-7B41D817284E}"/>
-              </a:ext>
-            </a:extLst>
-          </p:cNvPr>
-          <p:cNvSpPr>
-            <a:spLocks noGrp="1"/>
-          </p:cNvSpPr>
-          <p:nvPr>
-            <p:ph type="title"/>
-          </p:nvPr>
-        </p:nvSpPr>
-        <p:spPr>
-          <a:xfrm>
-            <a:off x="1097279" y="298315"/>
-            <a:ext cx="10128439" cy="1320800"/>
-          </a:xfrm>
-        </p:spPr>
-        <p:txBody>
-          <a:bodyPr/>
-          <a:lstStyle/>
-          <a:p>
-            <a:r>
-              <a:rPr lang="de-DE" dirty="0"/>
-              <a:t>Environments in </a:t>
-            </a:r>
-            <a:r>
-              <a:rPr lang="de-DE" dirty="0" err="1"/>
-              <a:t>Conda</a:t>
-            </a:r>
-            <a:endParaRPr lang="de-DE" dirty="0"/>
-          </a:p>
-        </p:txBody>
-      </p:sp>
-      <p:sp>
-        <p:nvSpPr>
-          <p:cNvPr id="6" name="Inhaltsplatzhalter 2">
-            <a:extLst>
-              <a:ext uri="{FF2B5EF4-FFF2-40B4-BE49-F238E27FC236}">
-                <a16:creationId xmlns:a16="http://schemas.microsoft.com/office/drawing/2014/main" id="{7700E18D-07F5-BDD0-F771-E558CBAC8AA5}"/>
-              </a:ext>
-            </a:extLst>
-          </p:cNvPr>
-          <p:cNvSpPr>
-            <a:spLocks noGrp="1"/>
-          </p:cNvSpPr>
-          <p:nvPr>
-            <p:ph idx="1"/>
-          </p:nvPr>
-        </p:nvSpPr>
-        <p:spPr>
-          <a:xfrm>
-            <a:off x="1097279" y="1849304"/>
-            <a:ext cx="10128439" cy="3880773"/>
-          </a:xfrm>
-        </p:spPr>
-        <p:txBody>
-          <a:bodyPr/>
-          <a:lstStyle/>
-          <a:p>
-            <a:r>
-              <a:rPr lang="de-DE" dirty="0"/>
-              <a:t>Ermöglicht das Erstellen von unterschiedlichen, unabhängigen Umgebungen für verschiedene Projekt</a:t>
-            </a:r>
-          </a:p>
-          <a:p>
-            <a:pPr lvl="1"/>
-            <a:r>
-              <a:rPr lang="de-DE" dirty="0"/>
-              <a:t>Verwendung unterschiedlicher Python Versionen und Paketen</a:t>
-            </a:r>
-          </a:p>
-          <a:p>
-            <a:pPr lvl="1"/>
-            <a:r>
-              <a:rPr lang="de-DE" dirty="0"/>
-              <a:t>Umgebungen können exportiert und geteilt werden</a:t>
-            </a:r>
-          </a:p>
-          <a:p>
-            <a:r>
-              <a:rPr lang="de-DE" dirty="0"/>
-              <a:t>Erstellen einer Environment</a:t>
-            </a:r>
-          </a:p>
-          <a:p>
-            <a:pPr lvl="1"/>
-            <a:r>
-              <a:rPr lang="de-DE" dirty="0"/>
-              <a:t>Öffnen des </a:t>
-            </a:r>
-            <a:r>
-              <a:rPr lang="de-DE" dirty="0" err="1"/>
-              <a:t>Anaconda</a:t>
-            </a:r>
-            <a:r>
-              <a:rPr lang="de-DE" dirty="0"/>
-              <a:t> Navigator</a:t>
-            </a:r>
-          </a:p>
-          <a:p>
-            <a:pPr lvl="1"/>
-            <a:r>
-              <a:rPr lang="de-DE" dirty="0"/>
-              <a:t>Öffnen des </a:t>
-            </a:r>
-            <a:r>
-              <a:rPr lang="de-DE" dirty="0" err="1"/>
-              <a:t>Anaconda</a:t>
-            </a:r>
-            <a:r>
-              <a:rPr lang="de-DE" dirty="0"/>
-              <a:t> Terminals</a:t>
-            </a:r>
-          </a:p>
-          <a:p>
-            <a:pPr lvl="1"/>
-            <a:r>
-              <a:rPr lang="de-DE" dirty="0"/>
-              <a:t>Erstellen: </a:t>
-            </a:r>
-            <a:r>
-              <a:rPr lang="de-DE" b="1" i="1" dirty="0" err="1"/>
-              <a:t>conda</a:t>
-            </a:r>
-            <a:r>
-              <a:rPr lang="de-DE" b="1" i="1" dirty="0"/>
-              <a:t> </a:t>
-            </a:r>
-            <a:r>
-              <a:rPr lang="de-DE" b="1" i="1" dirty="0" err="1"/>
-              <a:t>create</a:t>
-            </a:r>
-            <a:r>
-              <a:rPr lang="de-DE" b="1" i="1" dirty="0"/>
-              <a:t> --name </a:t>
-            </a:r>
-            <a:r>
-              <a:rPr lang="de-DE" b="1" i="1" dirty="0" err="1"/>
-              <a:t>myenv</a:t>
-            </a:r>
-            <a:endParaRPr lang="de-DE" b="1" i="1" dirty="0"/>
-          </a:p>
-          <a:p>
-            <a:pPr lvl="1"/>
-            <a:r>
-              <a:rPr lang="de-DE" dirty="0"/>
-              <a:t>Aktivieren</a:t>
-            </a:r>
-            <a:r>
-              <a:rPr lang="de-DE" b="1" i="1" dirty="0"/>
-              <a:t>: </a:t>
-            </a:r>
-            <a:r>
-              <a:rPr lang="de-DE" b="1" i="1" dirty="0" err="1"/>
-              <a:t>conda</a:t>
-            </a:r>
-            <a:r>
-              <a:rPr lang="de-DE" b="1" i="1" dirty="0"/>
-              <a:t> </a:t>
-            </a:r>
-            <a:r>
-              <a:rPr lang="de-DE" b="1" i="1" dirty="0" err="1"/>
-              <a:t>activate</a:t>
-            </a:r>
-            <a:r>
-              <a:rPr lang="de-DE" b="1" i="1" dirty="0"/>
-              <a:t> </a:t>
-            </a:r>
-            <a:r>
-              <a:rPr lang="de-DE" b="1" i="1" dirty="0" err="1"/>
-              <a:t>myenv</a:t>
-            </a:r>
-            <a:endParaRPr lang="de-DE" b="1" i="1" dirty="0"/>
-          </a:p>
-          <a:p>
-            <a:pPr lvl="1"/>
-            <a:endParaRPr lang="de-DE" b="1" i="1" dirty="0"/>
-          </a:p>
-          <a:p>
-            <a:pPr marL="457200" lvl="1" indent="0">
-              <a:buNone/>
-            </a:pPr>
-            <a:endParaRPr lang="de-DE" dirty="0"/>
-          </a:p>
-        </p:txBody>
-      </p:sp>
-    </p:spTree>
-    <p:extLst>
-      <p:ext uri="{BB962C8B-B14F-4D97-AF65-F5344CB8AC3E}">
-        <p14:creationId xmlns:p14="http://schemas.microsoft.com/office/powerpoint/2010/main" val="3143212413"/>
-      </p:ext>
-    </p:extLst>
-  </p:cSld>
-  <p:clrMapOvr>
-    <a:masterClrMapping/>
-  </p:clrMapOvr>
-</p:sld>
-</file>
-
-<file path=ppt/slides/slide15.xml><?xml version="1.0" encoding="utf-8"?>
-<p:sld xmlns:a="http://schemas.openxmlformats.org/drawingml/2006/main" xmlns:r="http://schemas.openxmlformats.org/officeDocument/2006/relationships" xmlns:p="http://schemas.openxmlformats.org/presentationml/2006/main">
-  <p:cSld>
-    <p:spTree>
-      <p:nvGrpSpPr>
-        <p:cNvPr id="1" name=""/>
-        <p:cNvGrpSpPr/>
-        <p:nvPr/>
-      </p:nvGrpSpPr>
-      <p:grpSpPr>
-        <a:xfrm>
-          <a:off x="0" y="0"/>
-          <a:ext cx="0" cy="0"/>
-          <a:chOff x="0" y="0"/>
-          <a:chExt cx="0" cy="0"/>
-        </a:xfrm>
-      </p:grpSpPr>
-      <p:sp>
-        <p:nvSpPr>
-          <p:cNvPr id="4" name="Date Placeholder 3">
-            <a:extLst>
-              <a:ext uri="{FF2B5EF4-FFF2-40B4-BE49-F238E27FC236}">
-                <a16:creationId xmlns:a16="http://schemas.microsoft.com/office/drawing/2014/main" id="{9299BFF6-736B-5473-9669-C065225E64C3}"/>
-              </a:ext>
-            </a:extLst>
-          </p:cNvPr>
-          <p:cNvSpPr txBox="1">
-            <a:spLocks/>
-          </p:cNvSpPr>
-          <p:nvPr/>
-        </p:nvSpPr>
-        <p:spPr>
-          <a:xfrm>
-            <a:off x="1097280" y="6459785"/>
-            <a:ext cx="2472271" cy="365125"/>
-          </a:xfrm>
-          <a:prstGeom prst="rect">
-            <a:avLst/>
-          </a:prstGeom>
-        </p:spPr>
-        <p:txBody>
-          <a:bodyPr vert="horz" lIns="91440" tIns="45720" rIns="91440" bIns="45720" rtlCol="0" anchor="ctr"/>
-          <a:lstStyle>
-            <a:defPPr>
-              <a:defRPr lang="en-US"/>
-            </a:defPPr>
-            <a:lvl1pPr marL="0" algn="l" defTabSz="457200" rtl="0" eaLnBrk="1" latinLnBrk="0" hangingPunct="1">
-              <a:defRPr sz="900" kern="1200">
-                <a:solidFill>
-                  <a:srgbClr val="FFFFFF"/>
-                </a:solidFill>
-                <a:latin typeface="+mn-lt"/>
-                <a:ea typeface="+mn-ea"/>
-                <a:cs typeface="+mn-cs"/>
-              </a:defRPr>
-            </a:lvl1pPr>
-            <a:lvl2pPr marL="457200" algn="l" defTabSz="457200" rtl="0" eaLnBrk="1" latinLnBrk="0" hangingPunct="1">
-              <a:defRPr sz="1800" kern="1200">
-                <a:solidFill>
-                  <a:schemeClr val="tx1"/>
-                </a:solidFill>
-                <a:latin typeface="+mn-lt"/>
-                <a:ea typeface="+mn-ea"/>
-                <a:cs typeface="+mn-cs"/>
-              </a:defRPr>
-            </a:lvl2pPr>
-            <a:lvl3pPr marL="914400" algn="l" defTabSz="457200" rtl="0" eaLnBrk="1" latinLnBrk="0" hangingPunct="1">
-              <a:defRPr sz="1800" kern="1200">
-                <a:solidFill>
-                  <a:schemeClr val="tx1"/>
-                </a:solidFill>
-                <a:latin typeface="+mn-lt"/>
-                <a:ea typeface="+mn-ea"/>
-                <a:cs typeface="+mn-cs"/>
-              </a:defRPr>
-            </a:lvl3pPr>
-            <a:lvl4pPr marL="1371600" algn="l" defTabSz="457200" rtl="0" eaLnBrk="1" latinLnBrk="0" hangingPunct="1">
-              <a:defRPr sz="1800" kern="1200">
-                <a:solidFill>
-                  <a:schemeClr val="tx1"/>
-                </a:solidFill>
-                <a:latin typeface="+mn-lt"/>
-                <a:ea typeface="+mn-ea"/>
-                <a:cs typeface="+mn-cs"/>
-              </a:defRPr>
-            </a:lvl4pPr>
-            <a:lvl5pPr marL="1828800" algn="l" defTabSz="457200" rtl="0" eaLnBrk="1" latinLnBrk="0" hangingPunct="1">
-              <a:defRPr sz="1800" kern="1200">
-                <a:solidFill>
-                  <a:schemeClr val="tx1"/>
-                </a:solidFill>
-                <a:latin typeface="+mn-lt"/>
-                <a:ea typeface="+mn-ea"/>
-                <a:cs typeface="+mn-cs"/>
-              </a:defRPr>
-            </a:lvl5pPr>
-            <a:lvl6pPr marL="2286000" algn="l" defTabSz="457200" rtl="0" eaLnBrk="1" latinLnBrk="0" hangingPunct="1">
-              <a:defRPr sz="1800" kern="1200">
-                <a:solidFill>
-                  <a:schemeClr val="tx1"/>
-                </a:solidFill>
-                <a:latin typeface="+mn-lt"/>
-                <a:ea typeface="+mn-ea"/>
-                <a:cs typeface="+mn-cs"/>
-              </a:defRPr>
-            </a:lvl6pPr>
-            <a:lvl7pPr marL="2743200" algn="l" defTabSz="457200" rtl="0" eaLnBrk="1" latinLnBrk="0" hangingPunct="1">
-              <a:defRPr sz="1800" kern="1200">
-                <a:solidFill>
-                  <a:schemeClr val="tx1"/>
-                </a:solidFill>
-                <a:latin typeface="+mn-lt"/>
-                <a:ea typeface="+mn-ea"/>
-                <a:cs typeface="+mn-cs"/>
-              </a:defRPr>
-            </a:lvl7pPr>
-            <a:lvl8pPr marL="3200400" algn="l" defTabSz="457200" rtl="0" eaLnBrk="1" latinLnBrk="0" hangingPunct="1">
-              <a:defRPr sz="1800" kern="1200">
-                <a:solidFill>
-                  <a:schemeClr val="tx1"/>
-                </a:solidFill>
-                <a:latin typeface="+mn-lt"/>
-                <a:ea typeface="+mn-ea"/>
-                <a:cs typeface="+mn-cs"/>
-              </a:defRPr>
-            </a:lvl8pPr>
-            <a:lvl9pPr marL="3657600" algn="l" defTabSz="457200" rtl="0" eaLnBrk="1" latinLnBrk="0" hangingPunct="1">
-              <a:defRPr sz="1800" kern="1200">
-                <a:solidFill>
-                  <a:schemeClr val="tx1"/>
-                </a:solidFill>
-                <a:latin typeface="+mn-lt"/>
-                <a:ea typeface="+mn-ea"/>
-                <a:cs typeface="+mn-cs"/>
-              </a:defRPr>
-            </a:lvl9pPr>
-          </a:lstStyle>
-          <a:p>
-            <a:fld id="{3D984EFE-C229-442C-9F2C-F2F53AD7AE61}" type="datetimeFigureOut">
-              <a:rPr lang="de-DE" smtClean="0"/>
-              <a:pPr/>
-              <a:t>07.04.2024</a:t>
-            </a:fld>
-            <a:endParaRPr lang="de-DE" dirty="0"/>
-          </a:p>
-        </p:txBody>
-      </p:sp>
-      <p:sp>
-        <p:nvSpPr>
-          <p:cNvPr id="5" name="Titel 1">
-            <a:extLst>
-              <a:ext uri="{FF2B5EF4-FFF2-40B4-BE49-F238E27FC236}">
-                <a16:creationId xmlns:a16="http://schemas.microsoft.com/office/drawing/2014/main" id="{55424D24-A2F7-E9F9-94FF-E2D5A3F1D8E3}"/>
-              </a:ext>
-            </a:extLst>
-          </p:cNvPr>
-          <p:cNvSpPr>
-            <a:spLocks noGrp="1"/>
-          </p:cNvSpPr>
-          <p:nvPr>
-            <p:ph type="title"/>
-          </p:nvPr>
-        </p:nvSpPr>
-        <p:spPr>
-          <a:xfrm>
-            <a:off x="1097280" y="298315"/>
-            <a:ext cx="8596668" cy="1320800"/>
-          </a:xfrm>
-        </p:spPr>
-        <p:txBody>
-          <a:bodyPr/>
-          <a:lstStyle/>
-          <a:p>
-            <a:r>
-              <a:rPr lang="de-DE" dirty="0"/>
-              <a:t>Package Management with </a:t>
-            </a:r>
-            <a:r>
-              <a:rPr lang="de-DE" dirty="0" err="1"/>
-              <a:t>Conda</a:t>
-            </a:r>
-            <a:endParaRPr lang="de-DE" dirty="0"/>
-          </a:p>
-        </p:txBody>
-      </p:sp>
-      <p:sp>
-        <p:nvSpPr>
-          <p:cNvPr id="6" name="Inhaltsplatzhalter 2">
-            <a:extLst>
-              <a:ext uri="{FF2B5EF4-FFF2-40B4-BE49-F238E27FC236}">
-                <a16:creationId xmlns:a16="http://schemas.microsoft.com/office/drawing/2014/main" id="{0DE3679C-60EA-E0D4-F133-2657FDB0FA3C}"/>
-              </a:ext>
-            </a:extLst>
-          </p:cNvPr>
-          <p:cNvSpPr>
-            <a:spLocks noGrp="1"/>
-          </p:cNvSpPr>
-          <p:nvPr>
-            <p:ph idx="1"/>
-          </p:nvPr>
-        </p:nvSpPr>
-        <p:spPr>
-          <a:xfrm>
-            <a:off x="1097280" y="1849304"/>
-            <a:ext cx="8596668" cy="3880773"/>
-          </a:xfrm>
-        </p:spPr>
-        <p:txBody>
-          <a:bodyPr/>
-          <a:lstStyle/>
-          <a:p>
-            <a:r>
-              <a:rPr lang="de-DE" dirty="0"/>
-              <a:t>List </a:t>
-            </a:r>
-            <a:r>
-              <a:rPr lang="de-DE" dirty="0" err="1"/>
-              <a:t>packages</a:t>
-            </a:r>
-            <a:r>
-              <a:rPr lang="de-DE" dirty="0"/>
-              <a:t>: </a:t>
-            </a:r>
-          </a:p>
-          <a:p>
-            <a:pPr lvl="1"/>
-            <a:r>
-              <a:rPr lang="de-DE" dirty="0"/>
-              <a:t>Aktivieren</a:t>
-            </a:r>
-            <a:r>
-              <a:rPr lang="de-DE" b="1" i="1" dirty="0"/>
-              <a:t>: </a:t>
-            </a:r>
-            <a:r>
-              <a:rPr lang="de-DE" b="1" i="1" dirty="0" err="1"/>
-              <a:t>conda</a:t>
-            </a:r>
-            <a:r>
-              <a:rPr lang="de-DE" b="1" i="1" dirty="0"/>
-              <a:t> </a:t>
-            </a:r>
-            <a:r>
-              <a:rPr lang="de-DE" b="1" i="1" dirty="0" err="1"/>
-              <a:t>activate</a:t>
-            </a:r>
-            <a:r>
-              <a:rPr lang="de-DE" b="1" i="1" dirty="0"/>
-              <a:t> </a:t>
-            </a:r>
-            <a:r>
-              <a:rPr lang="de-DE" b="1" i="1" dirty="0" err="1"/>
-              <a:t>myenv</a:t>
-            </a:r>
-            <a:endParaRPr lang="de-DE" b="1" i="1" dirty="0"/>
-          </a:p>
-          <a:p>
-            <a:pPr lvl="1"/>
-            <a:r>
-              <a:rPr lang="de-DE" dirty="0"/>
-              <a:t>Auflisten: </a:t>
-            </a:r>
-            <a:r>
-              <a:rPr lang="de-DE" dirty="0" err="1"/>
-              <a:t>conda</a:t>
-            </a:r>
-            <a:r>
-              <a:rPr lang="de-DE" dirty="0"/>
-              <a:t> </a:t>
-            </a:r>
-            <a:r>
-              <a:rPr lang="de-DE" dirty="0" err="1"/>
-              <a:t>list</a:t>
-            </a:r>
-            <a:endParaRPr lang="de-DE" dirty="0"/>
-          </a:p>
-          <a:p>
-            <a:pPr lvl="1"/>
-            <a:endParaRPr lang="de-DE" dirty="0"/>
-          </a:p>
-          <a:p>
-            <a:r>
-              <a:rPr lang="de-DE" dirty="0"/>
-              <a:t>Packages installieren:</a:t>
-            </a:r>
-          </a:p>
-          <a:p>
-            <a:pPr lvl="1"/>
-            <a:r>
-              <a:rPr lang="de-DE" b="1" i="1" dirty="0" err="1"/>
-              <a:t>Conda</a:t>
-            </a:r>
-            <a:r>
-              <a:rPr lang="de-DE" b="1" i="1" dirty="0"/>
-              <a:t> </a:t>
-            </a:r>
-            <a:r>
-              <a:rPr lang="de-DE" b="1" i="1" dirty="0" err="1"/>
-              <a:t>install</a:t>
-            </a:r>
-            <a:r>
-              <a:rPr lang="de-DE" b="1" i="1" dirty="0"/>
-              <a:t> </a:t>
-            </a:r>
-            <a:r>
-              <a:rPr lang="de-DE" b="1" i="1" dirty="0" err="1"/>
-              <a:t>spyder</a:t>
-            </a:r>
-            <a:endParaRPr lang="de-DE" b="1" i="1" dirty="0"/>
-          </a:p>
-          <a:p>
-            <a:pPr lvl="1"/>
-            <a:endParaRPr lang="de-DE" b="1" i="1" dirty="0"/>
-          </a:p>
-          <a:p>
-            <a:r>
-              <a:rPr lang="de-DE" dirty="0"/>
-              <a:t>Spyder öffnen</a:t>
-            </a:r>
-          </a:p>
-          <a:p>
-            <a:pPr lvl="1"/>
-            <a:r>
-              <a:rPr lang="de-DE" b="1" i="1" dirty="0" err="1"/>
-              <a:t>spyder</a:t>
-            </a:r>
-            <a:endParaRPr lang="de-DE" b="1" i="1" dirty="0"/>
-          </a:p>
-          <a:p>
-            <a:pPr lvl="1"/>
-            <a:endParaRPr lang="de-DE" dirty="0"/>
-          </a:p>
-        </p:txBody>
-      </p:sp>
-    </p:spTree>
-    <p:extLst>
-      <p:ext uri="{BB962C8B-B14F-4D97-AF65-F5344CB8AC3E}">
-        <p14:creationId xmlns:p14="http://schemas.microsoft.com/office/powerpoint/2010/main" val="1867695760"/>
-      </p:ext>
-    </p:extLst>
-  </p:cSld>
-  <p:clrMapOvr>
-    <a:masterClrMapping/>
-  </p:clrMapOvr>
-</p:sld>
-</file>
-
-<file path=ppt/slides/slide2.xml><?xml version="1.0" encoding="utf-8"?>
-<p:sld xmlns:a="http://schemas.openxmlformats.org/drawingml/2006/main" xmlns:r="http://schemas.openxmlformats.org/officeDocument/2006/relationships" xmlns:p="http://schemas.openxmlformats.org/presentationml/2006/main">
-  <p:cSld>
-    <p:spTree>
-      <p:nvGrpSpPr>
-        <p:cNvPr id="1" name=""/>
-        <p:cNvGrpSpPr/>
-        <p:nvPr/>
-      </p:nvGrpSpPr>
-      <p:grpSpPr>
-        <a:xfrm>
-          <a:off x="0" y="0"/>
-          <a:ext cx="0" cy="0"/>
-          <a:chOff x="0" y="0"/>
-          <a:chExt cx="0" cy="0"/>
-        </a:xfrm>
-      </p:grpSpPr>
-      <p:sp>
-        <p:nvSpPr>
-          <p:cNvPr id="2" name="Titel 1">
-            <a:extLst>
-              <a:ext uri="{FF2B5EF4-FFF2-40B4-BE49-F238E27FC236}">
-                <a16:creationId xmlns:a16="http://schemas.microsoft.com/office/drawing/2014/main" id="{8A3921AA-A75B-43F4-9ED7-5A8FDF567344}"/>
-              </a:ext>
-            </a:extLst>
-          </p:cNvPr>
-          <p:cNvSpPr>
-            <a:spLocks noGrp="1"/>
-          </p:cNvSpPr>
-          <p:nvPr>
-            <p:ph type="title"/>
-          </p:nvPr>
-        </p:nvSpPr>
-        <p:spPr/>
-        <p:txBody>
-          <a:bodyPr/>
-          <a:lstStyle/>
-          <a:p>
-            <a:r>
-              <a:rPr lang="de-DE" dirty="0"/>
-              <a:t>Style Guide</a:t>
-            </a:r>
-          </a:p>
-        </p:txBody>
-      </p:sp>
-      <p:sp>
-        <p:nvSpPr>
-          <p:cNvPr id="3" name="Inhaltsplatzhalter 2">
-            <a:extLst>
-              <a:ext uri="{FF2B5EF4-FFF2-40B4-BE49-F238E27FC236}">
-                <a16:creationId xmlns:a16="http://schemas.microsoft.com/office/drawing/2014/main" id="{89BA047D-A1CF-40E2-92B5-E78842972496}"/>
-              </a:ext>
-            </a:extLst>
-          </p:cNvPr>
-          <p:cNvSpPr>
-            <a:spLocks noGrp="1"/>
-          </p:cNvSpPr>
-          <p:nvPr>
-            <p:ph idx="1"/>
-          </p:nvPr>
-        </p:nvSpPr>
-        <p:spPr/>
-        <p:txBody>
-          <a:bodyPr/>
-          <a:lstStyle/>
-          <a:p>
-            <a:pPr>
-              <a:buFont typeface="Wingdings" panose="05000000000000000000" pitchFamily="2" charset="2"/>
-              <a:buChar char="§"/>
-            </a:pPr>
-            <a:r>
-              <a:rPr lang="de-DE" dirty="0"/>
-              <a:t> </a:t>
-            </a:r>
-            <a:r>
-              <a:rPr lang="de-DE" dirty="0">
-                <a:hlinkClick r:id="rId2"/>
-              </a:rPr>
-              <a:t>https://visualgit.readthedocs.io/en/latest/pages/naming_convention.html</a:t>
-            </a:r>
-            <a:r>
-              <a:rPr lang="de-DE" dirty="0"/>
-              <a:t> </a:t>
-            </a:r>
-          </a:p>
-          <a:p>
-            <a:pPr>
-              <a:buFont typeface="Wingdings" panose="05000000000000000000" pitchFamily="2" charset="2"/>
-              <a:buChar char="§"/>
-            </a:pPr>
-            <a:r>
-              <a:rPr lang="de-DE" dirty="0">
-                <a:hlinkClick r:id="rId3"/>
-              </a:rPr>
-              <a:t> https://peps.python.org/pep-0008/</a:t>
-            </a:r>
-            <a:r>
-              <a:rPr lang="de-DE" dirty="0"/>
-              <a:t> </a:t>
-            </a:r>
-          </a:p>
-        </p:txBody>
-      </p:sp>
-    </p:spTree>
-    <p:extLst>
-      <p:ext uri="{BB962C8B-B14F-4D97-AF65-F5344CB8AC3E}">
-        <p14:creationId xmlns:p14="http://schemas.microsoft.com/office/powerpoint/2010/main" val="1807034822"/>
-      </p:ext>
-    </p:extLst>
-  </p:cSld>
-  <p:clrMapOvr>
-    <a:masterClrMapping/>
-  </p:clrMapOvr>
-</p:sld>
-</file>
-
-<file path=ppt/slides/slide3.xml><?xml version="1.0" encoding="utf-8"?>
-<p:sld xmlns:a="http://schemas.openxmlformats.org/drawingml/2006/main" xmlns:r="http://schemas.openxmlformats.org/officeDocument/2006/relationships" xmlns:p="http://schemas.openxmlformats.org/presentationml/2006/main">
-  <p:cSld>
-    <p:spTree>
-      <p:nvGrpSpPr>
-        <p:cNvPr id="1" name=""/>
-        <p:cNvGrpSpPr/>
-        <p:nvPr/>
-      </p:nvGrpSpPr>
-      <p:grpSpPr>
-        <a:xfrm>
-          <a:off x="0" y="0"/>
-          <a:ext cx="0" cy="0"/>
-          <a:chOff x="0" y="0"/>
-          <a:chExt cx="0" cy="0"/>
-        </a:xfrm>
-      </p:grpSpPr>
-      <p:sp>
-        <p:nvSpPr>
-          <p:cNvPr id="2" name="Titel 1">
-            <a:extLst>
-              <a:ext uri="{FF2B5EF4-FFF2-40B4-BE49-F238E27FC236}">
-                <a16:creationId xmlns:a16="http://schemas.microsoft.com/office/drawing/2014/main" id="{EA664B76-4BEB-49AF-85FD-F96CF0A3A299}"/>
-              </a:ext>
-            </a:extLst>
-          </p:cNvPr>
-          <p:cNvSpPr>
-            <a:spLocks noGrp="1"/>
-          </p:cNvSpPr>
-          <p:nvPr>
-            <p:ph type="title"/>
-          </p:nvPr>
-        </p:nvSpPr>
-        <p:spPr/>
-        <p:txBody>
-          <a:bodyPr/>
-          <a:lstStyle/>
-          <a:p>
-            <a:r>
-              <a:rPr lang="de-DE" dirty="0"/>
-              <a:t>Sortieralgorithmus Vergleich</a:t>
-            </a:r>
-          </a:p>
-        </p:txBody>
-      </p:sp>
-      <p:sp>
-        <p:nvSpPr>
-          <p:cNvPr id="3" name="Inhaltsplatzhalter 2">
-            <a:extLst>
-              <a:ext uri="{FF2B5EF4-FFF2-40B4-BE49-F238E27FC236}">
-                <a16:creationId xmlns:a16="http://schemas.microsoft.com/office/drawing/2014/main" id="{82F032F8-5F0D-4DCC-9B8A-32A0150F7313}"/>
-              </a:ext>
-            </a:extLst>
-          </p:cNvPr>
-          <p:cNvSpPr>
-            <a:spLocks noGrp="1"/>
-          </p:cNvSpPr>
-          <p:nvPr>
-            <p:ph idx="1"/>
-          </p:nvPr>
-        </p:nvSpPr>
-        <p:spPr/>
-        <p:txBody>
-          <a:bodyPr/>
-          <a:lstStyle/>
-          <a:p>
-            <a:r>
-              <a:rPr lang="de-DE" dirty="0">
-                <a:hlinkClick r:id="rId2"/>
-              </a:rPr>
-              <a:t>https://www.toptal.com/developers/sorting-algorithms</a:t>
-            </a:r>
-            <a:r>
-              <a:rPr lang="de-DE" dirty="0"/>
-              <a:t> </a:t>
-            </a:r>
-          </a:p>
-        </p:txBody>
-      </p:sp>
-    </p:spTree>
-    <p:extLst>
-      <p:ext uri="{BB962C8B-B14F-4D97-AF65-F5344CB8AC3E}">
-        <p14:creationId xmlns:p14="http://schemas.microsoft.com/office/powerpoint/2010/main" val="1153481227"/>
-      </p:ext>
-    </p:extLst>
-  </p:cSld>
-  <p:clrMapOvr>
-    <a:masterClrMapping/>
-  </p:clrMapOvr>
-</p:sld>
-</file>
-
-<file path=ppt/slides/slide4.xml><?xml version="1.0" encoding="utf-8"?>
-<p:sld xmlns:a="http://schemas.openxmlformats.org/drawingml/2006/main" xmlns:r="http://schemas.openxmlformats.org/officeDocument/2006/relationships" xmlns:p="http://schemas.openxmlformats.org/presentationml/2006/main">
-  <p:cSld>
-    <p:spTree>
-      <p:nvGrpSpPr>
-        <p:cNvPr id="1" name=""/>
-        <p:cNvGrpSpPr/>
-        <p:nvPr/>
-      </p:nvGrpSpPr>
-      <p:grpSpPr>
-        <a:xfrm>
-          <a:off x="0" y="0"/>
-          <a:ext cx="0" cy="0"/>
-          <a:chOff x="0" y="0"/>
-          <a:chExt cx="0" cy="0"/>
-        </a:xfrm>
-      </p:grpSpPr>
-      <p:sp>
-        <p:nvSpPr>
-          <p:cNvPr id="2" name="Titel 1">
-            <a:extLst>
-              <a:ext uri="{FF2B5EF4-FFF2-40B4-BE49-F238E27FC236}">
-                <a16:creationId xmlns:a16="http://schemas.microsoft.com/office/drawing/2014/main" id="{D609E1C5-D7F4-4E00-AD6D-3EF3821B1E1B}"/>
-              </a:ext>
-            </a:extLst>
-          </p:cNvPr>
-          <p:cNvSpPr>
-            <a:spLocks noGrp="1"/>
-          </p:cNvSpPr>
-          <p:nvPr>
-            <p:ph type="title"/>
-          </p:nvPr>
-        </p:nvSpPr>
-        <p:spPr/>
-        <p:txBody>
-          <a:bodyPr/>
-          <a:lstStyle/>
-          <a:p>
-            <a:r>
-              <a:rPr lang="de-DE" dirty="0"/>
-              <a:t>Ressourcenbedarf - Größenordnungen</a:t>
-            </a:r>
-          </a:p>
-        </p:txBody>
-      </p:sp>
-      <p:sp>
-        <p:nvSpPr>
-          <p:cNvPr id="3" name="Inhaltsplatzhalter 2">
-            <a:extLst>
-              <a:ext uri="{FF2B5EF4-FFF2-40B4-BE49-F238E27FC236}">
-                <a16:creationId xmlns:a16="http://schemas.microsoft.com/office/drawing/2014/main" id="{9DFA543F-E31F-4A73-8042-BEE2137E974B}"/>
-              </a:ext>
-            </a:extLst>
-          </p:cNvPr>
-          <p:cNvSpPr>
-            <a:spLocks noGrp="1"/>
-          </p:cNvSpPr>
-          <p:nvPr>
-            <p:ph idx="1"/>
-          </p:nvPr>
-        </p:nvSpPr>
-        <p:spPr/>
-        <p:txBody>
-          <a:bodyPr/>
-          <a:lstStyle/>
-          <a:p>
-            <a:pPr>
-              <a:buFont typeface="Arial" panose="020B0604020202020204" pitchFamily="34" charset="0"/>
-              <a:buChar char="•"/>
-            </a:pPr>
-            <a:r>
-              <a:rPr lang="de-DE" dirty="0"/>
-              <a:t> Prozesse verbrauchen u.a. zwei Ressourcen: </a:t>
-            </a:r>
-          </a:p>
-          <a:p>
-            <a:pPr lvl="1">
-              <a:buFont typeface="Arial" panose="020B0604020202020204" pitchFamily="34" charset="0"/>
-              <a:buChar char="•"/>
-            </a:pPr>
-            <a:r>
-              <a:rPr lang="de-DE" dirty="0"/>
-              <a:t>Rechenzeit</a:t>
-            </a:r>
-          </a:p>
-          <a:p>
-            <a:pPr lvl="1">
-              <a:buFont typeface="Arial" panose="020B0604020202020204" pitchFamily="34" charset="0"/>
-              <a:buChar char="•"/>
-            </a:pPr>
-            <a:r>
-              <a:rPr lang="de-DE" dirty="0"/>
-              <a:t>Speicherplatz</a:t>
-            </a:r>
-          </a:p>
-          <a:p>
-            <a:pPr>
-              <a:buFont typeface="Arial" panose="020B0604020202020204" pitchFamily="34" charset="0"/>
-              <a:buChar char="•"/>
-            </a:pPr>
-            <a:r>
-              <a:rPr lang="de-DE" dirty="0"/>
-              <a:t> Die folgenden Größenordnungen geben an, wie viel Rechenzeit oder Speicherplatz verbraucht werden.</a:t>
-            </a:r>
-          </a:p>
-        </p:txBody>
-      </p:sp>
-    </p:spTree>
-    <p:extLst>
-      <p:ext uri="{BB962C8B-B14F-4D97-AF65-F5344CB8AC3E}">
-        <p14:creationId xmlns:p14="http://schemas.microsoft.com/office/powerpoint/2010/main" val="3311227146"/>
-      </p:ext>
-    </p:extLst>
-  </p:cSld>
-  <p:clrMapOvr>
-    <a:masterClrMapping/>
-  </p:clrMapOvr>
-</p:sld>
-</file>
-
-<file path=ppt/slides/slide5.xml><?xml version="1.0" encoding="utf-8"?>
-<p:sld xmlns:a="http://schemas.openxmlformats.org/drawingml/2006/main" xmlns:r="http://schemas.openxmlformats.org/officeDocument/2006/relationships" xmlns:p="http://schemas.openxmlformats.org/presentationml/2006/main">
-  <p:cSld>
-    <p:spTree>
-      <p:nvGrpSpPr>
-        <p:cNvPr id="1" name=""/>
-        <p:cNvGrpSpPr/>
-        <p:nvPr/>
-      </p:nvGrpSpPr>
-      <p:grpSpPr>
-        <a:xfrm>
-          <a:off x="0" y="0"/>
-          <a:ext cx="0" cy="0"/>
-          <a:chOff x="0" y="0"/>
-          <a:chExt cx="0" cy="0"/>
-        </a:xfrm>
-      </p:grpSpPr>
-      <p:sp>
-        <p:nvSpPr>
-          <p:cNvPr id="2" name="Titel 1">
-            <a:extLst>
-              <a:ext uri="{FF2B5EF4-FFF2-40B4-BE49-F238E27FC236}">
-                <a16:creationId xmlns:a16="http://schemas.microsoft.com/office/drawing/2014/main" id="{6EE24C7C-5EE1-4EF4-9CC8-CF195F291106}"/>
-              </a:ext>
-            </a:extLst>
-          </p:cNvPr>
-          <p:cNvSpPr>
-            <a:spLocks noGrp="1"/>
-          </p:cNvSpPr>
-          <p:nvPr>
-            <p:ph type="title"/>
-          </p:nvPr>
-        </p:nvSpPr>
-        <p:spPr/>
-        <p:txBody>
-          <a:bodyPr/>
-          <a:lstStyle/>
-          <a:p>
-            <a:r>
-              <a:rPr lang="de-DE" dirty="0"/>
-              <a:t>Laufzeitanalyse (1)</a:t>
-            </a:r>
-          </a:p>
-        </p:txBody>
-      </p:sp>
-      <p:sp>
-        <p:nvSpPr>
-          <p:cNvPr id="3" name="Inhaltsplatzhalter 2">
-            <a:extLst>
-              <a:ext uri="{FF2B5EF4-FFF2-40B4-BE49-F238E27FC236}">
-                <a16:creationId xmlns:a16="http://schemas.microsoft.com/office/drawing/2014/main" id="{7E059B47-DB9E-43B9-973E-F35ED7025DD4}"/>
-              </a:ext>
-            </a:extLst>
-          </p:cNvPr>
-          <p:cNvSpPr>
-            <a:spLocks noGrp="1"/>
-          </p:cNvSpPr>
-          <p:nvPr>
-            <p:ph idx="1"/>
-          </p:nvPr>
-        </p:nvSpPr>
-        <p:spPr/>
-        <p:txBody>
-          <a:bodyPr/>
-          <a:lstStyle/>
-          <a:p>
-            <a:pPr>
-              <a:buFont typeface="Arial" panose="020B0604020202020204" pitchFamily="34" charset="0"/>
-              <a:buChar char="•"/>
-            </a:pPr>
-            <a:r>
-              <a:rPr lang="de-DE" dirty="0"/>
-              <a:t> 1. Ansatz: Direktes Messen der Laufzeit (z.B. in </a:t>
-            </a:r>
-            <a:r>
-              <a:rPr lang="de-DE" dirty="0" err="1"/>
-              <a:t>ms</a:t>
-            </a:r>
-            <a:r>
-              <a:rPr lang="de-DE" dirty="0"/>
-              <a:t>): </a:t>
-            </a:r>
-          </a:p>
-          <a:p>
-            <a:pPr lvl="1">
-              <a:buFont typeface="Arial" panose="020B0604020202020204" pitchFamily="34" charset="0"/>
-              <a:buChar char="•"/>
-            </a:pPr>
-            <a:r>
-              <a:rPr lang="de-DE" dirty="0"/>
-              <a:t> Abhängig von vielen Parametern, wie Rechnerkonfiguration, Rechnerlast, Compiler, Betriebssystem, …</a:t>
-            </a:r>
-          </a:p>
-          <a:p>
-            <a:pPr lvl="1">
-              <a:buFont typeface="Arial" panose="020B0604020202020204" pitchFamily="34" charset="0"/>
-              <a:buChar char="•"/>
-            </a:pPr>
-            <a:r>
-              <a:rPr lang="de-DE" dirty="0"/>
-              <a:t> Deshalb: kaum übertragbar und ungenau</a:t>
-            </a:r>
-          </a:p>
-          <a:p>
-            <a:pPr>
-              <a:buFont typeface="Arial" panose="020B0604020202020204" pitchFamily="34" charset="0"/>
-              <a:buChar char="•"/>
-            </a:pPr>
-            <a:r>
-              <a:rPr lang="de-DE" dirty="0"/>
-              <a:t> 2. Ansatz: Zählen der benötigten Elementaroperationen des Algorithmus in Abhängigkeit von der Größe n der Eingabe </a:t>
-            </a:r>
-          </a:p>
-          <a:p>
-            <a:pPr lvl="1">
-              <a:buFont typeface="Arial" panose="020B0604020202020204" pitchFamily="34" charset="0"/>
-              <a:buChar char="•"/>
-            </a:pPr>
-            <a:r>
-              <a:rPr lang="de-DE" dirty="0"/>
-              <a:t>Das algorithmische Verhalten wird als Funktion der benötigten Elementaroperationen dargestellt. </a:t>
-            </a:r>
-          </a:p>
-          <a:p>
-            <a:pPr lvl="1">
-              <a:buFont typeface="Arial" panose="020B0604020202020204" pitchFamily="34" charset="0"/>
-              <a:buChar char="•"/>
-            </a:pPr>
-            <a:r>
-              <a:rPr lang="de-DE" dirty="0"/>
-              <a:t>Die Charakterisierung dieser elementaren Operationen ist abhängig von der jeweiligen Problemstellung und dem zugrunde liegenden Algorithmus. </a:t>
-            </a:r>
-          </a:p>
-          <a:p>
-            <a:pPr lvl="1">
-              <a:buFont typeface="Arial" panose="020B0604020202020204" pitchFamily="34" charset="0"/>
-              <a:buChar char="•"/>
-            </a:pPr>
-            <a:r>
-              <a:rPr lang="de-DE" dirty="0"/>
-              <a:t>Beispiele für Elementaroperationen: Zuweisungen, Vergleiche, arithmetische Operationen, </a:t>
-            </a:r>
-            <a:r>
-              <a:rPr lang="de-DE" dirty="0" err="1"/>
-              <a:t>Zeigerdereferenzierungen</a:t>
-            </a:r>
-            <a:r>
-              <a:rPr lang="de-DE" dirty="0"/>
-              <a:t> oder Arrayzugriffe</a:t>
-            </a:r>
-          </a:p>
-        </p:txBody>
-      </p:sp>
-    </p:spTree>
-    <p:extLst>
-      <p:ext uri="{BB962C8B-B14F-4D97-AF65-F5344CB8AC3E}">
-        <p14:creationId xmlns:p14="http://schemas.microsoft.com/office/powerpoint/2010/main" val="502286169"/>
-      </p:ext>
-    </p:extLst>
-  </p:cSld>
-  <p:clrMapOvr>
-    <a:masterClrMapping/>
-  </p:clrMapOvr>
-</p:sld>
-</file>
-
-<file path=ppt/slides/slide6.xml><?xml version="1.0" encoding="utf-8"?>
-<p:sld xmlns:a="http://schemas.openxmlformats.org/drawingml/2006/main" xmlns:r="http://schemas.openxmlformats.org/officeDocument/2006/relationships" xmlns:p="http://schemas.openxmlformats.org/presentationml/2006/main">
-  <p:cSld>
-    <p:spTree>
-      <p:nvGrpSpPr>
-        <p:cNvPr id="1" name=""/>
-        <p:cNvGrpSpPr/>
-        <p:nvPr/>
-      </p:nvGrpSpPr>
-      <p:grpSpPr>
-        <a:xfrm>
-          <a:off x="0" y="0"/>
-          <a:ext cx="0" cy="0"/>
-          <a:chOff x="0" y="0"/>
-          <a:chExt cx="0" cy="0"/>
-        </a:xfrm>
-      </p:grpSpPr>
-      <p:sp>
-        <p:nvSpPr>
-          <p:cNvPr id="2" name="Titel 1">
-            <a:extLst>
-              <a:ext uri="{FF2B5EF4-FFF2-40B4-BE49-F238E27FC236}">
-                <a16:creationId xmlns:a16="http://schemas.microsoft.com/office/drawing/2014/main" id="{FCA3E942-61F9-4E3A-A055-3AB105178662}"/>
-              </a:ext>
-            </a:extLst>
-          </p:cNvPr>
-          <p:cNvSpPr>
-            <a:spLocks noGrp="1"/>
-          </p:cNvSpPr>
-          <p:nvPr>
-            <p:ph type="title"/>
-          </p:nvPr>
-        </p:nvSpPr>
-        <p:spPr/>
-        <p:txBody>
-          <a:bodyPr/>
-          <a:lstStyle/>
-          <a:p>
-            <a:r>
-              <a:rPr lang="de-DE" dirty="0"/>
-              <a:t>Laufzeitanalyse (2)</a:t>
-            </a:r>
-          </a:p>
-        </p:txBody>
-      </p:sp>
-      <p:sp>
-        <p:nvSpPr>
-          <p:cNvPr id="3" name="Inhaltsplatzhalter 2">
-            <a:extLst>
-              <a:ext uri="{FF2B5EF4-FFF2-40B4-BE49-F238E27FC236}">
-                <a16:creationId xmlns:a16="http://schemas.microsoft.com/office/drawing/2014/main" id="{3F232959-AAD1-405B-AC5B-3B127AB63AAB}"/>
-              </a:ext>
-            </a:extLst>
-          </p:cNvPr>
-          <p:cNvSpPr>
-            <a:spLocks noGrp="1"/>
-          </p:cNvSpPr>
-          <p:nvPr>
-            <p:ph idx="1"/>
-          </p:nvPr>
-        </p:nvSpPr>
-        <p:spPr/>
-        <p:txBody>
-          <a:bodyPr/>
-          <a:lstStyle/>
-          <a:p>
-            <a:pPr>
-              <a:buFont typeface="Wingdings" panose="05000000000000000000" pitchFamily="2" charset="2"/>
-              <a:buChar char="§"/>
-            </a:pPr>
-            <a:r>
-              <a:rPr lang="de-DE" dirty="0"/>
-              <a:t> Das Maß für die Größe n der Eingabe ist abhängig von der Problemstellung, z.B. </a:t>
-            </a:r>
-          </a:p>
-          <a:p>
-            <a:pPr lvl="1">
-              <a:buFont typeface="Wingdings" panose="05000000000000000000" pitchFamily="2" charset="2"/>
-              <a:buChar char="§"/>
-            </a:pPr>
-            <a:r>
-              <a:rPr lang="de-DE" dirty="0"/>
-              <a:t> Suche eines Elementes in einer Liste: n = Anzahl der Elemente </a:t>
-            </a:r>
-          </a:p>
-          <a:p>
-            <a:pPr lvl="1">
-              <a:buFont typeface="Wingdings" panose="05000000000000000000" pitchFamily="2" charset="2"/>
-              <a:buChar char="§"/>
-            </a:pPr>
-            <a:r>
-              <a:rPr lang="de-DE" dirty="0"/>
-              <a:t>Multiplikation zweier Matrizen: n = Dimension der Matrizen </a:t>
-            </a:r>
-          </a:p>
-          <a:p>
-            <a:pPr lvl="1">
-              <a:buFont typeface="Wingdings" panose="05000000000000000000" pitchFamily="2" charset="2"/>
-              <a:buChar char="§"/>
-            </a:pPr>
-            <a:r>
-              <a:rPr lang="de-DE" dirty="0"/>
-              <a:t>Sortierung einer Liste von Zahlen: n = Anzahl der Zahlen </a:t>
-            </a:r>
-          </a:p>
-          <a:p>
-            <a:pPr lvl="1">
-              <a:buFont typeface="Wingdings" panose="05000000000000000000" pitchFamily="2" charset="2"/>
-              <a:buChar char="§"/>
-            </a:pPr>
-            <a:r>
-              <a:rPr lang="de-DE" dirty="0"/>
-              <a:t>Berechnung der k-</a:t>
-            </a:r>
-            <a:r>
-              <a:rPr lang="de-DE" dirty="0" err="1"/>
-              <a:t>ten</a:t>
-            </a:r>
-            <a:r>
-              <a:rPr lang="de-DE" dirty="0"/>
-              <a:t> Fibonacci-Zahl: n = k</a:t>
-            </a:r>
-          </a:p>
-          <a:p>
-            <a:pPr lvl="1">
-              <a:buFont typeface="Wingdings" panose="05000000000000000000" pitchFamily="2" charset="2"/>
-              <a:buChar char="§"/>
-            </a:pPr>
-            <a:endParaRPr lang="de-DE" dirty="0"/>
-          </a:p>
-          <a:p>
-            <a:pPr>
-              <a:buFont typeface="Wingdings" panose="05000000000000000000" pitchFamily="2" charset="2"/>
-              <a:buChar char="§"/>
-            </a:pPr>
-            <a:r>
-              <a:rPr lang="de-DE" dirty="0"/>
-              <a:t> Laufzeit = benötigte Elementaroperationen bei einer bestimmten Eingabelänge n</a:t>
-            </a:r>
-          </a:p>
-          <a:p>
-            <a:pPr>
-              <a:buFont typeface="Wingdings" panose="05000000000000000000" pitchFamily="2" charset="2"/>
-              <a:buChar char="§"/>
-            </a:pPr>
-            <a:endParaRPr lang="de-DE" dirty="0"/>
-          </a:p>
-          <a:p>
-            <a:pPr>
-              <a:buFont typeface="Wingdings" panose="05000000000000000000" pitchFamily="2" charset="2"/>
-              <a:buChar char="§"/>
-            </a:pPr>
-            <a:r>
-              <a:rPr lang="de-DE" dirty="0"/>
-              <a:t> Analog: – Speicherplatz = benötigter Speicher bei einer bestimmten Eingabelänge n</a:t>
-            </a:r>
-          </a:p>
-        </p:txBody>
-      </p:sp>
-    </p:spTree>
-    <p:extLst>
-      <p:ext uri="{BB962C8B-B14F-4D97-AF65-F5344CB8AC3E}">
-        <p14:creationId xmlns:p14="http://schemas.microsoft.com/office/powerpoint/2010/main" val="4096983759"/>
-      </p:ext>
-    </p:extLst>
-  </p:cSld>
-  <p:clrMapOvr>
-    <a:masterClrMapping/>
-  </p:clrMapOvr>
-</p:sld>
-</file>
-
 <file path=ppt/slides/slide7.xml><?xml version="1.0" encoding="utf-8"?>
 <p:sld xmlns:a="http://schemas.openxmlformats.org/drawingml/2006/main" xmlns:r="http://schemas.openxmlformats.org/officeDocument/2006/relationships" xmlns:p="http://schemas.openxmlformats.org/presentationml/2006/main">
   <p:cSld>
@@ -7243,38 +6032,140 @@
       </p:grpSpPr>
       <p:sp>
         <p:nvSpPr>
-          <p:cNvPr id="2" name="Titel 1">
+          <p:cNvPr id="4" name="Date Placeholder 3">
             <a:extLst>
               <a:ext uri="{FF2B5EF4-FFF2-40B4-BE49-F238E27FC236}">
-                <a16:creationId xmlns:a16="http://schemas.microsoft.com/office/drawing/2014/main" id="{D44330BF-CD2B-4A8F-979E-11E358451E92}"/>
+                <a16:creationId xmlns:a16="http://schemas.microsoft.com/office/drawing/2014/main" id="{2BF27315-9AB6-20A4-7C7B-A7385FEDF118}"/>
               </a:ext>
             </a:extLst>
           </p:cNvPr>
-          <p:cNvSpPr>
-            <a:spLocks noGrp="1"/>
-          </p:cNvSpPr>
-          <p:nvPr>
-            <p:ph type="title"/>
-          </p:nvPr>
-        </p:nvSpPr>
-        <p:spPr/>
-        <p:txBody>
-          <a:bodyPr/>
-          <a:lstStyle/>
-          <a:p>
-            <a:r>
-              <a:rPr lang="de-DE" dirty="0"/>
-              <a:t>Definition O-Notation</a:t>
-            </a:r>
-          </a:p>
-        </p:txBody>
-      </p:sp>
-      <p:sp>
-        <p:nvSpPr>
-          <p:cNvPr id="3" name="Inhaltsplatzhalter 2">
+          <p:cNvSpPr txBox="1">
+            <a:spLocks/>
+          </p:cNvSpPr>
+          <p:nvPr/>
+        </p:nvSpPr>
+        <p:spPr>
+          <a:xfrm>
+            <a:off x="1097280" y="6459785"/>
+            <a:ext cx="2472271" cy="365125"/>
+          </a:xfrm>
+          <a:prstGeom prst="rect">
+            <a:avLst/>
+          </a:prstGeom>
+        </p:spPr>
+        <p:txBody>
+          <a:bodyPr vert="horz" lIns="91440" tIns="45720" rIns="91440" bIns="45720" rtlCol="0" anchor="ctr"/>
+          <a:lstStyle>
+            <a:defPPr>
+              <a:defRPr lang="en-US"/>
+            </a:defPPr>
+            <a:lvl1pPr marL="0" algn="l" defTabSz="457200" rtl="0" eaLnBrk="1" latinLnBrk="0" hangingPunct="1">
+              <a:defRPr sz="900" kern="1200">
+                <a:solidFill>
+                  <a:srgbClr val="FFFFFF"/>
+                </a:solidFill>
+                <a:latin typeface="+mn-lt"/>
+                <a:ea typeface="+mn-ea"/>
+                <a:cs typeface="+mn-cs"/>
+              </a:defRPr>
+            </a:lvl1pPr>
+            <a:lvl2pPr marL="457200" algn="l" defTabSz="457200" rtl="0" eaLnBrk="1" latinLnBrk="0" hangingPunct="1">
+              <a:defRPr sz="1800" kern="1200">
+                <a:solidFill>
+                  <a:schemeClr val="tx1"/>
+                </a:solidFill>
+                <a:latin typeface="+mn-lt"/>
+                <a:ea typeface="+mn-ea"/>
+                <a:cs typeface="+mn-cs"/>
+              </a:defRPr>
+            </a:lvl2pPr>
+            <a:lvl3pPr marL="914400" algn="l" defTabSz="457200" rtl="0" eaLnBrk="1" latinLnBrk="0" hangingPunct="1">
+              <a:defRPr sz="1800" kern="1200">
+                <a:solidFill>
+                  <a:schemeClr val="tx1"/>
+                </a:solidFill>
+                <a:latin typeface="+mn-lt"/>
+                <a:ea typeface="+mn-ea"/>
+                <a:cs typeface="+mn-cs"/>
+              </a:defRPr>
+            </a:lvl3pPr>
+            <a:lvl4pPr marL="1371600" algn="l" defTabSz="457200" rtl="0" eaLnBrk="1" latinLnBrk="0" hangingPunct="1">
+              <a:defRPr sz="1800" kern="1200">
+                <a:solidFill>
+                  <a:schemeClr val="tx1"/>
+                </a:solidFill>
+                <a:latin typeface="+mn-lt"/>
+                <a:ea typeface="+mn-ea"/>
+                <a:cs typeface="+mn-cs"/>
+              </a:defRPr>
+            </a:lvl4pPr>
+            <a:lvl5pPr marL="1828800" algn="l" defTabSz="457200" rtl="0" eaLnBrk="1" latinLnBrk="0" hangingPunct="1">
+              <a:defRPr sz="1800" kern="1200">
+                <a:solidFill>
+                  <a:schemeClr val="tx1"/>
+                </a:solidFill>
+                <a:latin typeface="+mn-lt"/>
+                <a:ea typeface="+mn-ea"/>
+                <a:cs typeface="+mn-cs"/>
+              </a:defRPr>
+            </a:lvl5pPr>
+            <a:lvl6pPr marL="2286000" algn="l" defTabSz="457200" rtl="0" eaLnBrk="1" latinLnBrk="0" hangingPunct="1">
+              <a:defRPr sz="1800" kern="1200">
+                <a:solidFill>
+                  <a:schemeClr val="tx1"/>
+                </a:solidFill>
+                <a:latin typeface="+mn-lt"/>
+                <a:ea typeface="+mn-ea"/>
+                <a:cs typeface="+mn-cs"/>
+              </a:defRPr>
+            </a:lvl6pPr>
+            <a:lvl7pPr marL="2743200" algn="l" defTabSz="457200" rtl="0" eaLnBrk="1" latinLnBrk="0" hangingPunct="1">
+              <a:defRPr sz="1800" kern="1200">
+                <a:solidFill>
+                  <a:schemeClr val="tx1"/>
+                </a:solidFill>
+                <a:latin typeface="+mn-lt"/>
+                <a:ea typeface="+mn-ea"/>
+                <a:cs typeface="+mn-cs"/>
+              </a:defRPr>
+            </a:lvl7pPr>
+            <a:lvl8pPr marL="3200400" algn="l" defTabSz="457200" rtl="0" eaLnBrk="1" latinLnBrk="0" hangingPunct="1">
+              <a:defRPr sz="1800" kern="1200">
+                <a:solidFill>
+                  <a:schemeClr val="tx1"/>
+                </a:solidFill>
+                <a:latin typeface="+mn-lt"/>
+                <a:ea typeface="+mn-ea"/>
+                <a:cs typeface="+mn-cs"/>
+              </a:defRPr>
+            </a:lvl8pPr>
+            <a:lvl9pPr marL="3657600" algn="l" defTabSz="457200" rtl="0" eaLnBrk="1" latinLnBrk="0" hangingPunct="1">
+              <a:defRPr sz="1800" kern="1200">
+                <a:solidFill>
+                  <a:schemeClr val="tx1"/>
+                </a:solidFill>
+                <a:latin typeface="+mn-lt"/>
+                <a:ea typeface="+mn-ea"/>
+                <a:cs typeface="+mn-cs"/>
+              </a:defRPr>
+            </a:lvl9pPr>
+          </a:lstStyle>
+          <a:p>
+            <a:fld id="{3D984EFE-C229-442C-9F2C-F2F53AD7AE61}" type="datetimeFigureOut">
+              <a:rPr lang="de-DE" smtClean="0"/>
+              <a:pPr/>
+              <a:t>09.04.2024</a:t>
+            </a:fld>
+            <a:endParaRPr lang="de-DE" dirty="0"/>
+          </a:p>
+        </p:txBody>
+      </p:sp>
+      <p:sp>
+        <p:nvSpPr>
+          <p:cNvPr id="5" name="Titel 1">
             <a:extLst>
               <a:ext uri="{FF2B5EF4-FFF2-40B4-BE49-F238E27FC236}">
-                <a16:creationId xmlns:a16="http://schemas.microsoft.com/office/drawing/2014/main" id="{DAA8439C-6FAA-4399-8428-EA3691245A1A}"/>
+                <a16:creationId xmlns:a16="http://schemas.microsoft.com/office/drawing/2014/main" id="{39789A5C-1CFC-C978-9A0A-7B41D817284E}"/>
               </a:ext>
             </a:extLst>
           </p:cNvPr>
@@ -7282,63 +6173,188 @@
             <a:spLocks noGrp="1"/>
           </p:cNvSpPr>
           <p:nvPr>
-            <p:ph idx="1"/>
-          </p:nvPr>
-        </p:nvSpPr>
-        <p:spPr/>
+            <p:ph type="title"/>
+          </p:nvPr>
+        </p:nvSpPr>
+        <p:spPr>
+          <a:xfrm>
+            <a:off x="1097279" y="298315"/>
+            <a:ext cx="10128439" cy="1320800"/>
+          </a:xfrm>
+        </p:spPr>
         <p:txBody>
           <a:bodyPr/>
           <a:lstStyle/>
           <a:p>
-            <a:pPr>
-              <a:buFont typeface="Wingdings" panose="05000000000000000000" pitchFamily="2" charset="2"/>
-              <a:buChar char="§"/>
+            <a:r>
+              <a:rPr lang="de-DE" dirty="0"/>
+              <a:t>Environments in </a:t>
+            </a:r>
+            <a:r>
+              <a:rPr lang="de-DE" dirty="0" err="1"/>
+              <a:t>Conda</a:t>
+            </a:r>
+            <a:endParaRPr lang="de-DE" dirty="0"/>
+          </a:p>
+        </p:txBody>
+      </p:sp>
+      <p:sp>
+        <p:nvSpPr>
+          <p:cNvPr id="6" name="Inhaltsplatzhalter 2">
+            <a:extLst>
+              <a:ext uri="{FF2B5EF4-FFF2-40B4-BE49-F238E27FC236}">
+                <a16:creationId xmlns:a16="http://schemas.microsoft.com/office/drawing/2014/main" id="{7700E18D-07F5-BDD0-F771-E558CBAC8AA5}"/>
+              </a:ext>
+            </a:extLst>
+          </p:cNvPr>
+          <p:cNvSpPr>
+            <a:spLocks noGrp="1"/>
+          </p:cNvSpPr>
+          <p:nvPr>
+            <p:ph idx="1"/>
+          </p:nvPr>
+        </p:nvSpPr>
+        <p:spPr>
+          <a:xfrm>
+            <a:off x="1097279" y="1849304"/>
+            <a:ext cx="10128439" cy="3880773"/>
+          </a:xfrm>
+        </p:spPr>
+        <p:txBody>
+          <a:bodyPr/>
+          <a:lstStyle/>
+          <a:p>
+            <a:r>
+              <a:rPr lang="de-DE" dirty="0"/>
+              <a:t>Ermöglicht das Erstellen von unterschiedlichen, unabhängigen Umgebungen für verschiedene Projekt</a:t>
+            </a:r>
+          </a:p>
+          <a:p>
+            <a:pPr lvl="1"/>
+            <a:r>
+              <a:rPr lang="de-DE" dirty="0"/>
+              <a:t>Verwendung unterschiedlicher Python Versionen und Paketen</a:t>
+            </a:r>
+          </a:p>
+          <a:p>
+            <a:pPr lvl="1"/>
+            <a:r>
+              <a:rPr lang="de-DE" dirty="0"/>
+              <a:t>Umgebungen können exportiert und geteilt werden</a:t>
+            </a:r>
+          </a:p>
+          <a:p>
+            <a:r>
+              <a:rPr lang="de-DE" dirty="0"/>
+              <a:t>Erstellen einer Environment</a:t>
+            </a:r>
+          </a:p>
+          <a:p>
+            <a:pPr lvl="1"/>
+            <a:r>
+              <a:rPr lang="de-DE" dirty="0"/>
+              <a:t>Öffnen des </a:t>
+            </a:r>
+            <a:r>
+              <a:rPr lang="de-DE" dirty="0" err="1"/>
+              <a:t>Anaconda</a:t>
+            </a:r>
+            <a:r>
+              <a:rPr lang="de-DE" dirty="0"/>
+              <a:t> Navigator</a:t>
+            </a:r>
+          </a:p>
+          <a:p>
+            <a:pPr lvl="1"/>
+            <a:r>
+              <a:rPr lang="de-DE" dirty="0"/>
+              <a:t>Öffnen des </a:t>
+            </a:r>
+            <a:r>
+              <a:rPr lang="de-DE" dirty="0" err="1"/>
+              <a:t>Anaconda</a:t>
+            </a:r>
+            <a:r>
+              <a:rPr lang="de-DE" dirty="0"/>
+              <a:t> Terminals</a:t>
+            </a:r>
+          </a:p>
+          <a:p>
+            <a:pPr lvl="1"/>
+            <a:r>
+              <a:rPr lang="de-DE" dirty="0"/>
+              <a:t>Erstellen: </a:t>
+            </a:r>
+            <a:r>
+              <a:rPr lang="de-DE" b="1" i="1" dirty="0" err="1"/>
+              <a:t>conda</a:t>
+            </a:r>
+            <a:r>
+              <a:rPr lang="de-DE" b="1" i="1" dirty="0"/>
+              <a:t> </a:t>
+            </a:r>
+            <a:r>
+              <a:rPr lang="de-DE" b="1" i="1" dirty="0" err="1"/>
+              <a:t>create</a:t>
+            </a:r>
+            <a:r>
+              <a:rPr lang="de-DE" b="1" i="1" dirty="0"/>
+              <a:t> --name </a:t>
+            </a:r>
+            <a:r>
+              <a:rPr lang="de-DE" b="1" i="1" dirty="0" err="1"/>
+              <a:t>myenv</a:t>
+            </a:r>
+            <a:endParaRPr lang="de-DE" b="1" i="1" dirty="0"/>
+          </a:p>
+          <a:p>
+            <a:pPr lvl="1"/>
+            <a:r>
+              <a:rPr lang="de-DE" dirty="0"/>
+              <a:t>Aktivieren</a:t>
+            </a:r>
+            <a:r>
+              <a:rPr lang="de-DE" b="1" i="1" dirty="0"/>
+              <a:t>: </a:t>
+            </a:r>
+            <a:r>
+              <a:rPr lang="de-DE" b="1" i="1" dirty="0" err="1"/>
+              <a:t>conda</a:t>
+            </a:r>
+            <a:r>
+              <a:rPr lang="de-DE" b="1" i="1" dirty="0"/>
+              <a:t> </a:t>
+            </a:r>
+            <a:r>
+              <a:rPr lang="de-DE" b="1" i="1" dirty="0" err="1"/>
+              <a:t>activate</a:t>
+            </a:r>
+            <a:r>
+              <a:rPr lang="de-DE" b="1" i="1" dirty="0"/>
+              <a:t> </a:t>
+            </a:r>
+            <a:r>
+              <a:rPr lang="de-DE" b="1" i="1" dirty="0" err="1"/>
+              <a:t>myenv</a:t>
+            </a:r>
+            <a:endParaRPr lang="de-DE" b="1" i="1" dirty="0"/>
+          </a:p>
+          <a:p>
+            <a:pPr lvl="1"/>
+            <a:endParaRPr lang="de-DE" b="1" i="1" dirty="0"/>
+          </a:p>
+          <a:p>
+            <a:pPr marL="457200" lvl="1" indent="0">
+              <a:buNone/>
             </a:pPr>
-            <a:r>
-              <a:rPr lang="de-DE" dirty="0"/>
-              <a:t> Mit der O-Notation haben Informatiker einen Weg gefunden, die asymptotische Komplexität (bzgl. Laufzeit oder Speicherplatzbedarf) eines Algorithmus zu charakterisieren. </a:t>
-            </a:r>
-          </a:p>
-          <a:p>
-            <a:pPr>
-              <a:buFont typeface="Wingdings" panose="05000000000000000000" pitchFamily="2" charset="2"/>
-              <a:buChar char="§"/>
-            </a:pPr>
-            <a:r>
-              <a:rPr lang="de-DE" dirty="0"/>
-              <a:t> Definition O-Notation:</a:t>
-            </a:r>
-          </a:p>
-          <a:p>
-            <a:pPr lvl="1">
-              <a:buFont typeface="Wingdings" panose="05000000000000000000" pitchFamily="2" charset="2"/>
-              <a:buChar char="§"/>
-            </a:pPr>
-            <a:r>
-              <a:rPr lang="de-DE" dirty="0"/>
-              <a:t>Seien f : N → N und s : N → N zwei Funktionen (s wie Schranke). </a:t>
-            </a:r>
-            <a:br>
-              <a:rPr lang="de-DE" dirty="0"/>
-            </a:br>
-            <a:r>
-              <a:rPr lang="de-DE" dirty="0"/>
-              <a:t>Die Funktion f ist von der Größenordnung O(s), geschrieben f ∈ O(s), wenn es k ∈ N und m ∈ N gibt, so dass gilt:</a:t>
-            </a:r>
-            <a:br>
-              <a:rPr lang="de-DE" dirty="0"/>
-            </a:br>
-            <a:r>
-              <a:rPr lang="de-DE" dirty="0"/>
-              <a:t>Für alle n ∈ N mit n ≥ m ist f (n) ≤ k * s(n).</a:t>
-            </a:r>
+            <a:endParaRPr lang="de-DE" dirty="0"/>
           </a:p>
         </p:txBody>
       </p:sp>
     </p:spTree>
     <p:extLst>
       <p:ext uri="{BB962C8B-B14F-4D97-AF65-F5344CB8AC3E}">
-        <p14:creationId xmlns:p14="http://schemas.microsoft.com/office/powerpoint/2010/main" val="4144793279"/>
+        <p14:creationId xmlns:p14="http://schemas.microsoft.com/office/powerpoint/2010/main" val="3143212413"/>
       </p:ext>
     </p:extLst>
   </p:cSld>
@@ -7367,200 +6383,325 @@
       </p:grpSpPr>
       <p:sp>
         <p:nvSpPr>
-          <p:cNvPr id="2" name="Titel 1">
+          <p:cNvPr id="4" name="Date Placeholder 3">
             <a:extLst>
               <a:ext uri="{FF2B5EF4-FFF2-40B4-BE49-F238E27FC236}">
-                <a16:creationId xmlns:a16="http://schemas.microsoft.com/office/drawing/2014/main" id="{F72B5600-202B-4CEE-8D20-7F63F6B50AA2}"/>
+                <a16:creationId xmlns:a16="http://schemas.microsoft.com/office/drawing/2014/main" id="{9299BFF6-736B-5473-9669-C065225E64C3}"/>
               </a:ext>
             </a:extLst>
           </p:cNvPr>
-          <p:cNvSpPr>
-            <a:spLocks noGrp="1"/>
-          </p:cNvSpPr>
-          <p:nvPr>
-            <p:ph type="title"/>
-          </p:nvPr>
-        </p:nvSpPr>
-        <p:spPr/>
-        <p:txBody>
-          <a:bodyPr/>
-          <a:lstStyle/>
-          <a:p>
-            <a:r>
-              <a:rPr lang="de-DE" dirty="0"/>
-              <a:t>Wichtige Klassen von Funktionen</a:t>
-            </a:r>
-          </a:p>
-        </p:txBody>
-      </p:sp>
-      <p:pic>
-        <p:nvPicPr>
-          <p:cNvPr id="5" name="Inhaltsplatzhalter 4">
+          <p:cNvSpPr txBox="1">
+            <a:spLocks/>
+          </p:cNvSpPr>
+          <p:nvPr/>
+        </p:nvSpPr>
+        <p:spPr>
+          <a:xfrm>
+            <a:off x="1097280" y="6459785"/>
+            <a:ext cx="2472271" cy="365125"/>
+          </a:xfrm>
+          <a:prstGeom prst="rect">
+            <a:avLst/>
+          </a:prstGeom>
+        </p:spPr>
+        <p:txBody>
+          <a:bodyPr vert="horz" lIns="91440" tIns="45720" rIns="91440" bIns="45720" rtlCol="0" anchor="ctr"/>
+          <a:lstStyle>
+            <a:defPPr>
+              <a:defRPr lang="en-US"/>
+            </a:defPPr>
+            <a:lvl1pPr marL="0" algn="l" defTabSz="457200" rtl="0" eaLnBrk="1" latinLnBrk="0" hangingPunct="1">
+              <a:defRPr sz="900" kern="1200">
+                <a:solidFill>
+                  <a:srgbClr val="FFFFFF"/>
+                </a:solidFill>
+                <a:latin typeface="+mn-lt"/>
+                <a:ea typeface="+mn-ea"/>
+                <a:cs typeface="+mn-cs"/>
+              </a:defRPr>
+            </a:lvl1pPr>
+            <a:lvl2pPr marL="457200" algn="l" defTabSz="457200" rtl="0" eaLnBrk="1" latinLnBrk="0" hangingPunct="1">
+              <a:defRPr sz="1800" kern="1200">
+                <a:solidFill>
+                  <a:schemeClr val="tx1"/>
+                </a:solidFill>
+                <a:latin typeface="+mn-lt"/>
+                <a:ea typeface="+mn-ea"/>
+                <a:cs typeface="+mn-cs"/>
+              </a:defRPr>
+            </a:lvl2pPr>
+            <a:lvl3pPr marL="914400" algn="l" defTabSz="457200" rtl="0" eaLnBrk="1" latinLnBrk="0" hangingPunct="1">
+              <a:defRPr sz="1800" kern="1200">
+                <a:solidFill>
+                  <a:schemeClr val="tx1"/>
+                </a:solidFill>
+                <a:latin typeface="+mn-lt"/>
+                <a:ea typeface="+mn-ea"/>
+                <a:cs typeface="+mn-cs"/>
+              </a:defRPr>
+            </a:lvl3pPr>
+            <a:lvl4pPr marL="1371600" algn="l" defTabSz="457200" rtl="0" eaLnBrk="1" latinLnBrk="0" hangingPunct="1">
+              <a:defRPr sz="1800" kern="1200">
+                <a:solidFill>
+                  <a:schemeClr val="tx1"/>
+                </a:solidFill>
+                <a:latin typeface="+mn-lt"/>
+                <a:ea typeface="+mn-ea"/>
+                <a:cs typeface="+mn-cs"/>
+              </a:defRPr>
+            </a:lvl4pPr>
+            <a:lvl5pPr marL="1828800" algn="l" defTabSz="457200" rtl="0" eaLnBrk="1" latinLnBrk="0" hangingPunct="1">
+              <a:defRPr sz="1800" kern="1200">
+                <a:solidFill>
+                  <a:schemeClr val="tx1"/>
+                </a:solidFill>
+                <a:latin typeface="+mn-lt"/>
+                <a:ea typeface="+mn-ea"/>
+                <a:cs typeface="+mn-cs"/>
+              </a:defRPr>
+            </a:lvl5pPr>
+            <a:lvl6pPr marL="2286000" algn="l" defTabSz="457200" rtl="0" eaLnBrk="1" latinLnBrk="0" hangingPunct="1">
+              <a:defRPr sz="1800" kern="1200">
+                <a:solidFill>
+                  <a:schemeClr val="tx1"/>
+                </a:solidFill>
+                <a:latin typeface="+mn-lt"/>
+                <a:ea typeface="+mn-ea"/>
+                <a:cs typeface="+mn-cs"/>
+              </a:defRPr>
+            </a:lvl6pPr>
+            <a:lvl7pPr marL="2743200" algn="l" defTabSz="457200" rtl="0" eaLnBrk="1" latinLnBrk="0" hangingPunct="1">
+              <a:defRPr sz="1800" kern="1200">
+                <a:solidFill>
+                  <a:schemeClr val="tx1"/>
+                </a:solidFill>
+                <a:latin typeface="+mn-lt"/>
+                <a:ea typeface="+mn-ea"/>
+                <a:cs typeface="+mn-cs"/>
+              </a:defRPr>
+            </a:lvl7pPr>
+            <a:lvl8pPr marL="3200400" algn="l" defTabSz="457200" rtl="0" eaLnBrk="1" latinLnBrk="0" hangingPunct="1">
+              <a:defRPr sz="1800" kern="1200">
+                <a:solidFill>
+                  <a:schemeClr val="tx1"/>
+                </a:solidFill>
+                <a:latin typeface="+mn-lt"/>
+                <a:ea typeface="+mn-ea"/>
+                <a:cs typeface="+mn-cs"/>
+              </a:defRPr>
+            </a:lvl8pPr>
+            <a:lvl9pPr marL="3657600" algn="l" defTabSz="457200" rtl="0" eaLnBrk="1" latinLnBrk="0" hangingPunct="1">
+              <a:defRPr sz="1800" kern="1200">
+                <a:solidFill>
+                  <a:schemeClr val="tx1"/>
+                </a:solidFill>
+                <a:latin typeface="+mn-lt"/>
+                <a:ea typeface="+mn-ea"/>
+                <a:cs typeface="+mn-cs"/>
+              </a:defRPr>
+            </a:lvl9pPr>
+          </a:lstStyle>
+          <a:p>
+            <a:fld id="{3D984EFE-C229-442C-9F2C-F2F53AD7AE61}" type="datetimeFigureOut">
+              <a:rPr lang="de-DE" smtClean="0"/>
+              <a:pPr/>
+              <a:t>09.04.2024</a:t>
+            </a:fld>
+            <a:endParaRPr lang="de-DE" dirty="0"/>
+          </a:p>
+        </p:txBody>
+      </p:sp>
+      <p:sp>
+        <p:nvSpPr>
+          <p:cNvPr id="5" name="Titel 1">
             <a:extLst>
               <a:ext uri="{FF2B5EF4-FFF2-40B4-BE49-F238E27FC236}">
-                <a16:creationId xmlns:a16="http://schemas.microsoft.com/office/drawing/2014/main" id="{19E8255D-CC4A-4438-84D0-197138C8DED2}"/>
+                <a16:creationId xmlns:a16="http://schemas.microsoft.com/office/drawing/2014/main" id="{55424D24-A2F7-E9F9-94FF-E2D5A3F1D8E3}"/>
               </a:ext>
             </a:extLst>
           </p:cNvPr>
-          <p:cNvPicPr>
-            <a:picLocks noGrp="1" noChangeAspect="1"/>
-          </p:cNvPicPr>
+          <p:cNvSpPr>
+            <a:spLocks noGrp="1"/>
+          </p:cNvSpPr>
+          <p:nvPr>
+            <p:ph type="title"/>
+          </p:nvPr>
+        </p:nvSpPr>
+        <p:spPr>
+          <a:xfrm>
+            <a:off x="1097280" y="298315"/>
+            <a:ext cx="8596668" cy="1320800"/>
+          </a:xfrm>
+        </p:spPr>
+        <p:txBody>
+          <a:bodyPr/>
+          <a:lstStyle/>
+          <a:p>
+            <a:r>
+              <a:rPr lang="de-DE" dirty="0"/>
+              <a:t>Package Management with </a:t>
+            </a:r>
+            <a:r>
+              <a:rPr lang="de-DE" dirty="0" err="1"/>
+              <a:t>Conda</a:t>
+            </a:r>
+            <a:endParaRPr lang="de-DE" dirty="0"/>
+          </a:p>
+        </p:txBody>
+      </p:sp>
+      <p:sp>
+        <p:nvSpPr>
+          <p:cNvPr id="6" name="Inhaltsplatzhalter 2">
+            <a:extLst>
+              <a:ext uri="{FF2B5EF4-FFF2-40B4-BE49-F238E27FC236}">
+                <a16:creationId xmlns:a16="http://schemas.microsoft.com/office/drawing/2014/main" id="{0DE3679C-60EA-E0D4-F133-2657FDB0FA3C}"/>
+              </a:ext>
+            </a:extLst>
+          </p:cNvPr>
+          <p:cNvSpPr>
+            <a:spLocks noGrp="1"/>
+          </p:cNvSpPr>
           <p:nvPr>
             <p:ph idx="1"/>
           </p:nvPr>
-        </p:nvPicPr>
-        <p:blipFill>
-          <a:blip r:embed="rId2"/>
-          <a:stretch>
-            <a:fillRect/>
-          </a:stretch>
-        </p:blipFill>
+        </p:nvSpPr>
         <p:spPr>
           <a:xfrm>
-            <a:off x="2461190" y="1846263"/>
-            <a:ext cx="7329945" cy="4022725"/>
-          </a:xfrm>
-        </p:spPr>
-      </p:pic>
+            <a:off x="1097280" y="1849304"/>
+            <a:ext cx="8596668" cy="3880773"/>
+          </a:xfrm>
+        </p:spPr>
+        <p:txBody>
+          <a:bodyPr/>
+          <a:lstStyle/>
+          <a:p>
+            <a:r>
+              <a:rPr lang="de-DE" dirty="0"/>
+              <a:t>List </a:t>
+            </a:r>
+            <a:r>
+              <a:rPr lang="de-DE" dirty="0" err="1"/>
+              <a:t>packages</a:t>
+            </a:r>
+            <a:r>
+              <a:rPr lang="de-DE" dirty="0"/>
+              <a:t>: </a:t>
+            </a:r>
+          </a:p>
+          <a:p>
+            <a:pPr lvl="1"/>
+            <a:r>
+              <a:rPr lang="de-DE" dirty="0"/>
+              <a:t>Aktivieren</a:t>
+            </a:r>
+            <a:r>
+              <a:rPr lang="de-DE" b="1" i="1" dirty="0"/>
+              <a:t>: </a:t>
+            </a:r>
+            <a:r>
+              <a:rPr lang="de-DE" b="1" i="1" dirty="0" err="1"/>
+              <a:t>conda</a:t>
+            </a:r>
+            <a:r>
+              <a:rPr lang="de-DE" b="1" i="1" dirty="0"/>
+              <a:t> </a:t>
+            </a:r>
+            <a:r>
+              <a:rPr lang="de-DE" b="1" i="1" dirty="0" err="1"/>
+              <a:t>activate</a:t>
+            </a:r>
+            <a:r>
+              <a:rPr lang="de-DE" b="1" i="1" dirty="0"/>
+              <a:t> </a:t>
+            </a:r>
+            <a:r>
+              <a:rPr lang="de-DE" b="1" i="1" dirty="0" err="1"/>
+              <a:t>myenv</a:t>
+            </a:r>
+            <a:endParaRPr lang="de-DE" b="1" i="1" dirty="0"/>
+          </a:p>
+          <a:p>
+            <a:pPr lvl="1"/>
+            <a:r>
+              <a:rPr lang="de-DE" dirty="0"/>
+              <a:t>Auflisten: </a:t>
+            </a:r>
+            <a:r>
+              <a:rPr lang="de-DE" dirty="0" err="1"/>
+              <a:t>conda</a:t>
+            </a:r>
+            <a:r>
+              <a:rPr lang="de-DE" dirty="0"/>
+              <a:t> </a:t>
+            </a:r>
+            <a:r>
+              <a:rPr lang="de-DE" dirty="0" err="1"/>
+              <a:t>list</a:t>
+            </a:r>
+            <a:endParaRPr lang="de-DE" dirty="0"/>
+          </a:p>
+          <a:p>
+            <a:pPr lvl="1"/>
+            <a:endParaRPr lang="de-DE" dirty="0"/>
+          </a:p>
+          <a:p>
+            <a:r>
+              <a:rPr lang="de-DE" dirty="0"/>
+              <a:t>Packages installieren:</a:t>
+            </a:r>
+          </a:p>
+          <a:p>
+            <a:pPr lvl="1"/>
+            <a:r>
+              <a:rPr lang="de-DE" b="1" i="1" dirty="0" err="1"/>
+              <a:t>Conda</a:t>
+            </a:r>
+            <a:r>
+              <a:rPr lang="de-DE" b="1" i="1" dirty="0"/>
+              <a:t> </a:t>
+            </a:r>
+            <a:r>
+              <a:rPr lang="de-DE" b="1" i="1" dirty="0" err="1"/>
+              <a:t>install</a:t>
+            </a:r>
+            <a:r>
+              <a:rPr lang="de-DE" b="1" i="1" dirty="0"/>
+              <a:t> </a:t>
+            </a:r>
+            <a:r>
+              <a:rPr lang="de-DE" b="1" i="1" dirty="0" err="1"/>
+              <a:t>spyder</a:t>
+            </a:r>
+            <a:endParaRPr lang="de-DE" b="1" i="1" dirty="0"/>
+          </a:p>
+          <a:p>
+            <a:pPr lvl="1"/>
+            <a:endParaRPr lang="de-DE" b="1" i="1" dirty="0"/>
+          </a:p>
+          <a:p>
+            <a:r>
+              <a:rPr lang="de-DE" dirty="0"/>
+              <a:t>Spyder öffnen</a:t>
+            </a:r>
+          </a:p>
+          <a:p>
+            <a:pPr lvl="1"/>
+            <a:r>
+              <a:rPr lang="de-DE" b="1" i="1" dirty="0" err="1"/>
+              <a:t>spyder</a:t>
+            </a:r>
+            <a:endParaRPr lang="de-DE" b="1" i="1" dirty="0"/>
+          </a:p>
+          <a:p>
+            <a:pPr lvl="1"/>
+            <a:endParaRPr lang="de-DE" dirty="0"/>
+          </a:p>
+        </p:txBody>
+      </p:sp>
     </p:spTree>
     <p:extLst>
       <p:ext uri="{BB962C8B-B14F-4D97-AF65-F5344CB8AC3E}">
-        <p14:creationId xmlns:p14="http://schemas.microsoft.com/office/powerpoint/2010/main" val="2472598852"/>
-      </p:ext>
-    </p:extLst>
-  </p:cSld>
-  <p:clrMapOvr>
-    <a:masterClrMapping/>
-  </p:clrMapOvr>
-</p:sld>
-</file>
-
-<file path=ppt/slides/slide9.xml><?xml version="1.0" encoding="utf-8"?>
-<p:sld xmlns:a="http://schemas.openxmlformats.org/drawingml/2006/main" xmlns:r="http://schemas.openxmlformats.org/officeDocument/2006/relationships" xmlns:p="http://schemas.openxmlformats.org/presentationml/2006/main">
-  <p:cSld>
-    <p:spTree>
-      <p:nvGrpSpPr>
-        <p:cNvPr id="1" name=""/>
-        <p:cNvGrpSpPr/>
-        <p:nvPr/>
-      </p:nvGrpSpPr>
-      <p:grpSpPr>
-        <a:xfrm>
-          <a:off x="0" y="0"/>
-          <a:ext cx="0" cy="0"/>
-          <a:chOff x="0" y="0"/>
-          <a:chExt cx="0" cy="0"/>
-        </a:xfrm>
-      </p:grpSpPr>
-      <p:sp>
-        <p:nvSpPr>
-          <p:cNvPr id="2" name="Titel 1">
-            <a:extLst>
-              <a:ext uri="{FF2B5EF4-FFF2-40B4-BE49-F238E27FC236}">
-                <a16:creationId xmlns:a16="http://schemas.microsoft.com/office/drawing/2014/main" id="{888C7E66-3E90-48E9-9C1D-E1E9FFC57E7C}"/>
-              </a:ext>
-            </a:extLst>
-          </p:cNvPr>
-          <p:cNvSpPr>
-            <a:spLocks noGrp="1"/>
-          </p:cNvSpPr>
-          <p:nvPr>
-            <p:ph type="title"/>
-          </p:nvPr>
-        </p:nvSpPr>
-        <p:spPr/>
-        <p:txBody>
-          <a:bodyPr/>
-          <a:lstStyle/>
-          <a:p>
-            <a:r>
-              <a:rPr lang="de-DE" dirty="0"/>
-              <a:t>Freiwillige Hausaufgabe</a:t>
-            </a:r>
-          </a:p>
-        </p:txBody>
-      </p:sp>
-      <p:sp>
-        <p:nvSpPr>
-          <p:cNvPr id="3" name="Inhaltsplatzhalter 2">
-            <a:extLst>
-              <a:ext uri="{FF2B5EF4-FFF2-40B4-BE49-F238E27FC236}">
-                <a16:creationId xmlns:a16="http://schemas.microsoft.com/office/drawing/2014/main" id="{D0AAB5B7-70AA-44BE-B0DF-35143E2FF0E4}"/>
-              </a:ext>
-            </a:extLst>
-          </p:cNvPr>
-          <p:cNvSpPr>
-            <a:spLocks noGrp="1"/>
-          </p:cNvSpPr>
-          <p:nvPr>
-            <p:ph idx="1"/>
-          </p:nvPr>
-        </p:nvSpPr>
-        <p:spPr/>
-        <p:txBody>
-          <a:bodyPr/>
-          <a:lstStyle/>
-          <a:p>
-            <a:pPr>
-              <a:buFont typeface="Arial" panose="020B0604020202020204" pitchFamily="34" charset="0"/>
-              <a:buChar char="•"/>
-            </a:pPr>
-            <a:r>
-              <a:rPr lang="de-DE" dirty="0"/>
-              <a:t> Anschauen von</a:t>
-            </a:r>
-          </a:p>
-          <a:p>
-            <a:pPr lvl="1">
-              <a:buFont typeface="Wingdings" panose="05000000000000000000" pitchFamily="2" charset="2"/>
-              <a:buChar char="§"/>
-            </a:pPr>
-            <a:r>
-              <a:rPr lang="de-DE" dirty="0">
-                <a:hlinkClick r:id="rId2"/>
-              </a:rPr>
-              <a:t>https://visualgit.readthedocs.io/en/latest/pages/naming_convention.html</a:t>
-            </a:r>
-            <a:r>
-              <a:rPr lang="de-DE" dirty="0"/>
-              <a:t> </a:t>
-            </a:r>
-          </a:p>
-          <a:p>
-            <a:pPr lvl="1">
-              <a:buFont typeface="Wingdings" panose="05000000000000000000" pitchFamily="2" charset="2"/>
-              <a:buChar char="§"/>
-            </a:pPr>
-            <a:r>
-              <a:rPr lang="de-DE">
-                <a:hlinkClick r:id="rId3"/>
-              </a:rPr>
-              <a:t>https</a:t>
-            </a:r>
-            <a:r>
-              <a:rPr lang="de-DE" dirty="0">
-                <a:hlinkClick r:id="rId3"/>
-              </a:rPr>
-              <a:t>://peps.python.org/pep-0008/</a:t>
-            </a:r>
-            <a:r>
-              <a:rPr lang="de-DE" dirty="0"/>
-              <a:t> </a:t>
-            </a:r>
-          </a:p>
-          <a:p>
-            <a:pPr lvl="1">
-              <a:buFont typeface="Arial" panose="020B0604020202020204" pitchFamily="34" charset="0"/>
-              <a:buChar char="•"/>
-            </a:pPr>
-            <a:endParaRPr lang="de-DE" dirty="0"/>
-          </a:p>
-        </p:txBody>
-      </p:sp>
-    </p:spTree>
-    <p:extLst>
-      <p:ext uri="{BB962C8B-B14F-4D97-AF65-F5344CB8AC3E}">
-        <p14:creationId xmlns:p14="http://schemas.microsoft.com/office/powerpoint/2010/main" val="2901900566"/>
+        <p14:creationId xmlns:p14="http://schemas.microsoft.com/office/powerpoint/2010/main" val="1867695760"/>
       </p:ext>
     </p:extLst>
   </p:cSld>
